--- a/Documents/Personagens.pptx
+++ b/Documents/Personagens.pptx
@@ -3902,6 +3902,299 @@
   <p:clrMapOvr>
     <a:masterClrMapping/>
   </p:clrMapOvr>
+  <mc:AlternateContent xmlns:mc="http://schemas.openxmlformats.org/markup-compatibility/2006">
+    <mc:Choice xmlns:p14="http://schemas.microsoft.com/office/powerpoint/2010/main" Requires="p14">
+      <p:transition spd="med" p14:dur="700">
+        <p:fade/>
+      </p:transition>
+    </mc:Choice>
+    <mc:Fallback>
+      <p:transition spd="med">
+        <p:fade/>
+      </p:transition>
+    </mc:Fallback>
+  </mc:AlternateContent>
+  <p:timing>
+    <p:tnLst>
+      <p:par>
+        <p:cTn id="1" dur="indefinite" restart="never" nodeType="tmRoot">
+          <p:childTnLst>
+            <p:seq concurrent="1" nextAc="seek">
+              <p:cTn id="2" dur="indefinite" nodeType="mainSeq">
+                <p:childTnLst>
+                  <p:par>
+                    <p:cTn id="3" fill="hold">
+                      <p:stCondLst>
+                        <p:cond delay="indefinite"/>
+                      </p:stCondLst>
+                      <p:childTnLst>
+                        <p:par>
+                          <p:cTn id="4" fill="hold">
+                            <p:stCondLst>
+                              <p:cond delay="0"/>
+                            </p:stCondLst>
+                            <p:childTnLst>
+                              <p:par>
+                                <p:cTn id="5" presetID="10" presetClass="entr" presetSubtype="0" fill="hold" nodeType="clickEffect">
+                                  <p:stCondLst>
+                                    <p:cond delay="0"/>
+                                  </p:stCondLst>
+                                  <p:childTnLst>
+                                    <p:set>
+                                      <p:cBhvr>
+                                        <p:cTn id="6" dur="1" fill="hold">
+                                          <p:stCondLst>
+                                            <p:cond delay="0"/>
+                                          </p:stCondLst>
+                                        </p:cTn>
+                                        <p:tgtEl>
+                                          <p:spTgt spid="21"/>
+                                        </p:tgtEl>
+                                        <p:attrNameLst>
+                                          <p:attrName>style.visibility</p:attrName>
+                                        </p:attrNameLst>
+                                      </p:cBhvr>
+                                      <p:to>
+                                        <p:strVal val="visible"/>
+                                      </p:to>
+                                    </p:set>
+                                    <p:animEffect transition="in" filter="fade">
+                                      <p:cBhvr>
+                                        <p:cTn id="7" dur="500"/>
+                                        <p:tgtEl>
+                                          <p:spTgt spid="21"/>
+                                        </p:tgtEl>
+                                      </p:cBhvr>
+                                    </p:animEffect>
+                                  </p:childTnLst>
+                                </p:cTn>
+                              </p:par>
+                              <p:par>
+                                <p:cTn id="8" presetID="10" presetClass="entr" presetSubtype="0" fill="hold" grpId="0" nodeType="withEffect">
+                                  <p:stCondLst>
+                                    <p:cond delay="0"/>
+                                  </p:stCondLst>
+                                  <p:childTnLst>
+                                    <p:set>
+                                      <p:cBhvr>
+                                        <p:cTn id="9" dur="1" fill="hold">
+                                          <p:stCondLst>
+                                            <p:cond delay="0"/>
+                                          </p:stCondLst>
+                                        </p:cTn>
+                                        <p:tgtEl>
+                                          <p:spTgt spid="15"/>
+                                        </p:tgtEl>
+                                        <p:attrNameLst>
+                                          <p:attrName>style.visibility</p:attrName>
+                                        </p:attrNameLst>
+                                      </p:cBhvr>
+                                      <p:to>
+                                        <p:strVal val="visible"/>
+                                      </p:to>
+                                    </p:set>
+                                    <p:animEffect transition="in" filter="fade">
+                                      <p:cBhvr>
+                                        <p:cTn id="10" dur="500"/>
+                                        <p:tgtEl>
+                                          <p:spTgt spid="15"/>
+                                        </p:tgtEl>
+                                      </p:cBhvr>
+                                    </p:animEffect>
+                                  </p:childTnLst>
+                                </p:cTn>
+                              </p:par>
+                            </p:childTnLst>
+                          </p:cTn>
+                        </p:par>
+                        <p:par>
+                          <p:cTn id="11" fill="hold">
+                            <p:stCondLst>
+                              <p:cond delay="500"/>
+                            </p:stCondLst>
+                            <p:childTnLst>
+                              <p:par>
+                                <p:cTn id="12" presetID="10" presetClass="entr" presetSubtype="0" fill="hold" nodeType="afterEffect">
+                                  <p:stCondLst>
+                                    <p:cond delay="0"/>
+                                  </p:stCondLst>
+                                  <p:childTnLst>
+                                    <p:set>
+                                      <p:cBhvr>
+                                        <p:cTn id="13" dur="1" fill="hold">
+                                          <p:stCondLst>
+                                            <p:cond delay="0"/>
+                                          </p:stCondLst>
+                                        </p:cTn>
+                                        <p:tgtEl>
+                                          <p:spTgt spid="8"/>
+                                        </p:tgtEl>
+                                        <p:attrNameLst>
+                                          <p:attrName>style.visibility</p:attrName>
+                                        </p:attrNameLst>
+                                      </p:cBhvr>
+                                      <p:to>
+                                        <p:strVal val="visible"/>
+                                      </p:to>
+                                    </p:set>
+                                    <p:animEffect transition="in" filter="fade">
+                                      <p:cBhvr>
+                                        <p:cTn id="14" dur="500"/>
+                                        <p:tgtEl>
+                                          <p:spTgt spid="8"/>
+                                        </p:tgtEl>
+                                      </p:cBhvr>
+                                    </p:animEffect>
+                                  </p:childTnLst>
+                                </p:cTn>
+                              </p:par>
+                              <p:par>
+                                <p:cTn id="15" presetID="10" presetClass="entr" presetSubtype="0" fill="hold" grpId="0" nodeType="withEffect">
+                                  <p:stCondLst>
+                                    <p:cond delay="0"/>
+                                  </p:stCondLst>
+                                  <p:childTnLst>
+                                    <p:set>
+                                      <p:cBhvr>
+                                        <p:cTn id="16" dur="1" fill="hold">
+                                          <p:stCondLst>
+                                            <p:cond delay="0"/>
+                                          </p:stCondLst>
+                                        </p:cTn>
+                                        <p:tgtEl>
+                                          <p:spTgt spid="14"/>
+                                        </p:tgtEl>
+                                        <p:attrNameLst>
+                                          <p:attrName>style.visibility</p:attrName>
+                                        </p:attrNameLst>
+                                      </p:cBhvr>
+                                      <p:to>
+                                        <p:strVal val="visible"/>
+                                      </p:to>
+                                    </p:set>
+                                    <p:animEffect transition="in" filter="fade">
+                                      <p:cBhvr>
+                                        <p:cTn id="17" dur="500"/>
+                                        <p:tgtEl>
+                                          <p:spTgt spid="14"/>
+                                        </p:tgtEl>
+                                      </p:cBhvr>
+                                    </p:animEffect>
+                                  </p:childTnLst>
+                                </p:cTn>
+                              </p:par>
+                            </p:childTnLst>
+                          </p:cTn>
+                        </p:par>
+                        <p:par>
+                          <p:cTn id="18" fill="hold">
+                            <p:stCondLst>
+                              <p:cond delay="1000"/>
+                            </p:stCondLst>
+                            <p:childTnLst>
+                              <p:par>
+                                <p:cTn id="19" presetID="10" presetClass="entr" presetSubtype="0" fill="hold" nodeType="afterEffect">
+                                  <p:stCondLst>
+                                    <p:cond delay="0"/>
+                                  </p:stCondLst>
+                                  <p:childTnLst>
+                                    <p:set>
+                                      <p:cBhvr>
+                                        <p:cTn id="20" dur="1" fill="hold">
+                                          <p:stCondLst>
+                                            <p:cond delay="0"/>
+                                          </p:stCondLst>
+                                        </p:cTn>
+                                        <p:tgtEl>
+                                          <p:spTgt spid="12"/>
+                                        </p:tgtEl>
+                                        <p:attrNameLst>
+                                          <p:attrName>style.visibility</p:attrName>
+                                        </p:attrNameLst>
+                                      </p:cBhvr>
+                                      <p:to>
+                                        <p:strVal val="visible"/>
+                                      </p:to>
+                                    </p:set>
+                                    <p:animEffect transition="in" filter="fade">
+                                      <p:cBhvr>
+                                        <p:cTn id="21" dur="500"/>
+                                        <p:tgtEl>
+                                          <p:spTgt spid="12"/>
+                                        </p:tgtEl>
+                                      </p:cBhvr>
+                                    </p:animEffect>
+                                  </p:childTnLst>
+                                </p:cTn>
+                              </p:par>
+                              <p:par>
+                                <p:cTn id="22" presetID="10" presetClass="entr" presetSubtype="0" fill="hold" grpId="0" nodeType="withEffect">
+                                  <p:stCondLst>
+                                    <p:cond delay="0"/>
+                                  </p:stCondLst>
+                                  <p:childTnLst>
+                                    <p:set>
+                                      <p:cBhvr>
+                                        <p:cTn id="23" dur="1" fill="hold">
+                                          <p:stCondLst>
+                                            <p:cond delay="0"/>
+                                          </p:stCondLst>
+                                        </p:cTn>
+                                        <p:tgtEl>
+                                          <p:spTgt spid="13"/>
+                                        </p:tgtEl>
+                                        <p:attrNameLst>
+                                          <p:attrName>style.visibility</p:attrName>
+                                        </p:attrNameLst>
+                                      </p:cBhvr>
+                                      <p:to>
+                                        <p:strVal val="visible"/>
+                                      </p:to>
+                                    </p:set>
+                                    <p:animEffect transition="in" filter="fade">
+                                      <p:cBhvr>
+                                        <p:cTn id="24" dur="500"/>
+                                        <p:tgtEl>
+                                          <p:spTgt spid="13"/>
+                                        </p:tgtEl>
+                                      </p:cBhvr>
+                                    </p:animEffect>
+                                  </p:childTnLst>
+                                </p:cTn>
+                              </p:par>
+                            </p:childTnLst>
+                          </p:cTn>
+                        </p:par>
+                      </p:childTnLst>
+                    </p:cTn>
+                  </p:par>
+                </p:childTnLst>
+              </p:cTn>
+              <p:prevCondLst>
+                <p:cond evt="onPrev" delay="0">
+                  <p:tgtEl>
+                    <p:sldTgt/>
+                  </p:tgtEl>
+                </p:cond>
+              </p:prevCondLst>
+              <p:nextCondLst>
+                <p:cond evt="onNext" delay="0">
+                  <p:tgtEl>
+                    <p:sldTgt/>
+                  </p:tgtEl>
+                </p:cond>
+              </p:nextCondLst>
+            </p:seq>
+          </p:childTnLst>
+        </p:cTn>
+      </p:par>
+    </p:tnLst>
+    <p:bldLst>
+      <p:bldP spid="13" grpId="0"/>
+      <p:bldP spid="14" grpId="0"/>
+      <p:bldP spid="15" grpId="0"/>
+    </p:bldLst>
+  </p:timing>
 </p:sld>
 </file>
 
@@ -3987,7 +4280,7 @@
         </p:blipFill>
         <p:spPr>
           <a:xfrm>
-            <a:off x="8276858" y="949115"/>
+            <a:off x="7649034" y="4074816"/>
             <a:ext cx="3603794" cy="1405480"/>
           </a:xfrm>
         </p:spPr>
@@ -4044,8 +4337,8 @@
         </p:nvSpPr>
         <p:spPr>
           <a:xfrm>
-            <a:off x="3418650" y="2274679"/>
-            <a:ext cx="4568337" cy="3820864"/>
+            <a:off x="3418651" y="2274679"/>
+            <a:ext cx="3940512" cy="3820864"/>
           </a:xfrm>
           <a:prstGeom prst="rect">
             <a:avLst/>
@@ -4419,6 +4712,148 @@
   <p:clrMapOvr>
     <a:masterClrMapping/>
   </p:clrMapOvr>
+  <mc:AlternateContent xmlns:mc="http://schemas.openxmlformats.org/markup-compatibility/2006">
+    <mc:Choice xmlns:p14="http://schemas.microsoft.com/office/powerpoint/2010/main" Requires="p14">
+      <p:transition spd="med" p14:dur="700">
+        <p:fade/>
+      </p:transition>
+    </mc:Choice>
+    <mc:Fallback>
+      <p:transition spd="med">
+        <p:fade/>
+      </p:transition>
+    </mc:Fallback>
+  </mc:AlternateContent>
+  <p:timing>
+    <p:tnLst>
+      <p:par>
+        <p:cTn id="1" dur="indefinite" restart="never" nodeType="tmRoot">
+          <p:childTnLst>
+            <p:seq concurrent="1" nextAc="seek">
+              <p:cTn id="2" dur="indefinite" nodeType="mainSeq">
+                <p:childTnLst>
+                  <p:par>
+                    <p:cTn id="3" fill="hold">
+                      <p:stCondLst>
+                        <p:cond delay="indefinite"/>
+                      </p:stCondLst>
+                      <p:childTnLst>
+                        <p:par>
+                          <p:cTn id="4" fill="hold">
+                            <p:stCondLst>
+                              <p:cond delay="0"/>
+                            </p:stCondLst>
+                            <p:childTnLst>
+                              <p:par>
+                                <p:cTn id="5" presetID="10" presetClass="entr" presetSubtype="0" fill="hold" nodeType="clickEffect">
+                                  <p:stCondLst>
+                                    <p:cond delay="0"/>
+                                  </p:stCondLst>
+                                  <p:childTnLst>
+                                    <p:set>
+                                      <p:cBhvr>
+                                        <p:cTn id="6" dur="1" fill="hold">
+                                          <p:stCondLst>
+                                            <p:cond delay="0"/>
+                                          </p:stCondLst>
+                                        </p:cTn>
+                                        <p:tgtEl>
+                                          <p:spTgt spid="7"/>
+                                        </p:tgtEl>
+                                        <p:attrNameLst>
+                                          <p:attrName>style.visibility</p:attrName>
+                                        </p:attrNameLst>
+                                      </p:cBhvr>
+                                      <p:to>
+                                        <p:strVal val="visible"/>
+                                      </p:to>
+                                    </p:set>
+                                    <p:animEffect transition="in" filter="fade">
+                                      <p:cBhvr>
+                                        <p:cTn id="7" dur="500"/>
+                                        <p:tgtEl>
+                                          <p:spTgt spid="7"/>
+                                        </p:tgtEl>
+                                      </p:cBhvr>
+                                    </p:animEffect>
+                                  </p:childTnLst>
+                                </p:cTn>
+                              </p:par>
+                            </p:childTnLst>
+                          </p:cTn>
+                        </p:par>
+                        <p:par>
+                          <p:cTn id="8" fill="hold">
+                            <p:stCondLst>
+                              <p:cond delay="500"/>
+                            </p:stCondLst>
+                            <p:childTnLst>
+                              <p:par>
+                                <p:cTn id="9" presetID="10" presetClass="entr" presetSubtype="0" fill="hold" grpId="0" nodeType="afterEffect">
+                                  <p:stCondLst>
+                                    <p:cond delay="0"/>
+                                  </p:stCondLst>
+                                  <p:childTnLst>
+                                    <p:set>
+                                      <p:cBhvr>
+                                        <p:cTn id="10" dur="1" fill="hold">
+                                          <p:stCondLst>
+                                            <p:cond delay="0"/>
+                                          </p:stCondLst>
+                                        </p:cTn>
+                                        <p:tgtEl>
+                                          <p:spTgt spid="10"/>
+                                        </p:tgtEl>
+                                        <p:attrNameLst>
+                                          <p:attrName>style.visibility</p:attrName>
+                                        </p:attrNameLst>
+                                      </p:cBhvr>
+                                      <p:to>
+                                        <p:strVal val="visible"/>
+                                      </p:to>
+                                    </p:set>
+                                    <p:animEffect transition="in" filter="fade">
+                                      <p:cBhvr>
+                                        <p:cTn id="11" dur="500"/>
+                                        <p:tgtEl>
+                                          <p:spTgt spid="10"/>
+                                        </p:tgtEl>
+                                      </p:cBhvr>
+                                    </p:animEffect>
+                                  </p:childTnLst>
+                                </p:cTn>
+                              </p:par>
+                            </p:childTnLst>
+                          </p:cTn>
+                        </p:par>
+                      </p:childTnLst>
+                    </p:cTn>
+                  </p:par>
+                </p:childTnLst>
+              </p:cTn>
+              <p:prevCondLst>
+                <p:cond evt="onPrev" delay="0">
+                  <p:tgtEl>
+                    <p:sldTgt/>
+                  </p:tgtEl>
+                </p:cond>
+              </p:prevCondLst>
+              <p:nextCondLst>
+                <p:cond evt="onNext" delay="0">
+                  <p:tgtEl>
+                    <p:sldTgt/>
+                  </p:tgtEl>
+                </p:cond>
+              </p:nextCondLst>
+            </p:seq>
+          </p:childTnLst>
+        </p:cTn>
+      </p:par>
+    </p:tnLst>
+    <p:bldLst>
+      <p:bldP spid="10" grpId="0"/>
+    </p:bldLst>
+  </p:timing>
 </p:sld>
 </file>
 
@@ -5104,7 +5539,23 @@
           <a:p>
             <a:r>
               <a:rPr lang="pt-PT" sz="2000" dirty="0"/>
-              <a:t>Atacar;</a:t>
+              <a:t>Atacar (</a:t>
+            </a:r>
+            <a:r>
+              <a:rPr lang="pt-PT" sz="2000" dirty="0" err="1"/>
+              <a:t>Slash</a:t>
+            </a:r>
+            <a:r>
+              <a:rPr lang="pt-PT" sz="2000" dirty="0"/>
+              <a:t>/</a:t>
+            </a:r>
+            <a:r>
+              <a:rPr lang="pt-PT" sz="2000" dirty="0" err="1"/>
+              <a:t>Stab</a:t>
+            </a:r>
+            <a:r>
+              <a:rPr lang="pt-PT" sz="2000" dirty="0"/>
+              <a:t>);</a:t>
             </a:r>
           </a:p>
           <a:p>
@@ -5236,6 +5687,693 @@
   <p:clrMapOvr>
     <a:masterClrMapping/>
   </p:clrMapOvr>
+  <mc:AlternateContent xmlns:mc="http://schemas.openxmlformats.org/markup-compatibility/2006">
+    <mc:Choice xmlns:p14="http://schemas.microsoft.com/office/powerpoint/2010/main" Requires="p14">
+      <p:transition spd="med" p14:dur="700">
+        <p:fade/>
+      </p:transition>
+    </mc:Choice>
+    <mc:Fallback>
+      <p:transition spd="med">
+        <p:fade/>
+      </p:transition>
+    </mc:Fallback>
+  </mc:AlternateContent>
+  <p:timing>
+    <p:tnLst>
+      <p:par>
+        <p:cTn id="1" dur="indefinite" restart="never" nodeType="tmRoot">
+          <p:childTnLst>
+            <p:seq concurrent="1" nextAc="seek">
+              <p:cTn id="2" dur="indefinite" nodeType="mainSeq">
+                <p:childTnLst>
+                  <p:par>
+                    <p:cTn id="3" fill="hold">
+                      <p:stCondLst>
+                        <p:cond delay="indefinite"/>
+                      </p:stCondLst>
+                      <p:childTnLst>
+                        <p:par>
+                          <p:cTn id="4" fill="hold">
+                            <p:stCondLst>
+                              <p:cond delay="0"/>
+                            </p:stCondLst>
+                            <p:childTnLst>
+                              <p:par>
+                                <p:cTn id="5" presetID="10" presetClass="entr" presetSubtype="0" fill="hold" nodeType="clickEffect">
+                                  <p:stCondLst>
+                                    <p:cond delay="0"/>
+                                  </p:stCondLst>
+                                  <p:childTnLst>
+                                    <p:set>
+                                      <p:cBhvr>
+                                        <p:cTn id="6" dur="1" fill="hold">
+                                          <p:stCondLst>
+                                            <p:cond delay="0"/>
+                                          </p:stCondLst>
+                                        </p:cTn>
+                                        <p:tgtEl>
+                                          <p:spTgt spid="16"/>
+                                        </p:tgtEl>
+                                        <p:attrNameLst>
+                                          <p:attrName>style.visibility</p:attrName>
+                                        </p:attrNameLst>
+                                      </p:cBhvr>
+                                      <p:to>
+                                        <p:strVal val="visible"/>
+                                      </p:to>
+                                    </p:set>
+                                    <p:animEffect transition="in" filter="fade">
+                                      <p:cBhvr>
+                                        <p:cTn id="7" dur="500"/>
+                                        <p:tgtEl>
+                                          <p:spTgt spid="16"/>
+                                        </p:tgtEl>
+                                      </p:cBhvr>
+                                    </p:animEffect>
+                                  </p:childTnLst>
+                                </p:cTn>
+                              </p:par>
+                            </p:childTnLst>
+                          </p:cTn>
+                        </p:par>
+                        <p:par>
+                          <p:cTn id="8" fill="hold">
+                            <p:stCondLst>
+                              <p:cond delay="500"/>
+                            </p:stCondLst>
+                            <p:childTnLst>
+                              <p:par>
+                                <p:cTn id="9" presetID="10" presetClass="entr" presetSubtype="0" fill="hold" nodeType="afterEffect">
+                                  <p:stCondLst>
+                                    <p:cond delay="0"/>
+                                  </p:stCondLst>
+                                  <p:childTnLst>
+                                    <p:set>
+                                      <p:cBhvr>
+                                        <p:cTn id="10" dur="1" fill="hold">
+                                          <p:stCondLst>
+                                            <p:cond delay="0"/>
+                                          </p:stCondLst>
+                                        </p:cTn>
+                                        <p:tgtEl>
+                                          <p:spTgt spid="15">
+                                            <p:txEl>
+                                              <p:pRg st="0" end="0"/>
+                                            </p:txEl>
+                                          </p:spTgt>
+                                        </p:tgtEl>
+                                        <p:attrNameLst>
+                                          <p:attrName>style.visibility</p:attrName>
+                                        </p:attrNameLst>
+                                      </p:cBhvr>
+                                      <p:to>
+                                        <p:strVal val="visible"/>
+                                      </p:to>
+                                    </p:set>
+                                    <p:animEffect transition="in" filter="fade">
+                                      <p:cBhvr>
+                                        <p:cTn id="11" dur="500"/>
+                                        <p:tgtEl>
+                                          <p:spTgt spid="15">
+                                            <p:txEl>
+                                              <p:pRg st="0" end="0"/>
+                                            </p:txEl>
+                                          </p:spTgt>
+                                        </p:tgtEl>
+                                      </p:cBhvr>
+                                    </p:animEffect>
+                                  </p:childTnLst>
+                                </p:cTn>
+                              </p:par>
+                            </p:childTnLst>
+                          </p:cTn>
+                        </p:par>
+                        <p:par>
+                          <p:cTn id="12" fill="hold">
+                            <p:stCondLst>
+                              <p:cond delay="1000"/>
+                            </p:stCondLst>
+                            <p:childTnLst>
+                              <p:par>
+                                <p:cTn id="13" presetID="10" presetClass="entr" presetSubtype="0" fill="hold" nodeType="afterEffect">
+                                  <p:stCondLst>
+                                    <p:cond delay="0"/>
+                                  </p:stCondLst>
+                                  <p:childTnLst>
+                                    <p:set>
+                                      <p:cBhvr>
+                                        <p:cTn id="14" dur="1" fill="hold">
+                                          <p:stCondLst>
+                                            <p:cond delay="0"/>
+                                          </p:stCondLst>
+                                        </p:cTn>
+                                        <p:tgtEl>
+                                          <p:spTgt spid="15">
+                                            <p:txEl>
+                                              <p:pRg st="1" end="1"/>
+                                            </p:txEl>
+                                          </p:spTgt>
+                                        </p:tgtEl>
+                                        <p:attrNameLst>
+                                          <p:attrName>style.visibility</p:attrName>
+                                        </p:attrNameLst>
+                                      </p:cBhvr>
+                                      <p:to>
+                                        <p:strVal val="visible"/>
+                                      </p:to>
+                                    </p:set>
+                                    <p:animEffect transition="in" filter="fade">
+                                      <p:cBhvr>
+                                        <p:cTn id="15" dur="500"/>
+                                        <p:tgtEl>
+                                          <p:spTgt spid="15">
+                                            <p:txEl>
+                                              <p:pRg st="1" end="1"/>
+                                            </p:txEl>
+                                          </p:spTgt>
+                                        </p:tgtEl>
+                                      </p:cBhvr>
+                                    </p:animEffect>
+                                  </p:childTnLst>
+                                </p:cTn>
+                              </p:par>
+                            </p:childTnLst>
+                          </p:cTn>
+                        </p:par>
+                        <p:par>
+                          <p:cTn id="16" fill="hold">
+                            <p:stCondLst>
+                              <p:cond delay="1500"/>
+                            </p:stCondLst>
+                            <p:childTnLst>
+                              <p:par>
+                                <p:cTn id="17" presetID="10" presetClass="entr" presetSubtype="0" fill="hold" nodeType="afterEffect">
+                                  <p:stCondLst>
+                                    <p:cond delay="0"/>
+                                  </p:stCondLst>
+                                  <p:childTnLst>
+                                    <p:set>
+                                      <p:cBhvr>
+                                        <p:cTn id="18" dur="1" fill="hold">
+                                          <p:stCondLst>
+                                            <p:cond delay="0"/>
+                                          </p:stCondLst>
+                                        </p:cTn>
+                                        <p:tgtEl>
+                                          <p:spTgt spid="15">
+                                            <p:txEl>
+                                              <p:pRg st="2" end="2"/>
+                                            </p:txEl>
+                                          </p:spTgt>
+                                        </p:tgtEl>
+                                        <p:attrNameLst>
+                                          <p:attrName>style.visibility</p:attrName>
+                                        </p:attrNameLst>
+                                      </p:cBhvr>
+                                      <p:to>
+                                        <p:strVal val="visible"/>
+                                      </p:to>
+                                    </p:set>
+                                    <p:animEffect transition="in" filter="fade">
+                                      <p:cBhvr>
+                                        <p:cTn id="19" dur="500"/>
+                                        <p:tgtEl>
+                                          <p:spTgt spid="15">
+                                            <p:txEl>
+                                              <p:pRg st="2" end="2"/>
+                                            </p:txEl>
+                                          </p:spTgt>
+                                        </p:tgtEl>
+                                      </p:cBhvr>
+                                    </p:animEffect>
+                                  </p:childTnLst>
+                                </p:cTn>
+                              </p:par>
+                            </p:childTnLst>
+                          </p:cTn>
+                        </p:par>
+                        <p:par>
+                          <p:cTn id="20" fill="hold">
+                            <p:stCondLst>
+                              <p:cond delay="2000"/>
+                            </p:stCondLst>
+                            <p:childTnLst>
+                              <p:par>
+                                <p:cTn id="21" presetID="10" presetClass="entr" presetSubtype="0" fill="hold" nodeType="afterEffect">
+                                  <p:stCondLst>
+                                    <p:cond delay="0"/>
+                                  </p:stCondLst>
+                                  <p:childTnLst>
+                                    <p:set>
+                                      <p:cBhvr>
+                                        <p:cTn id="22" dur="1" fill="hold">
+                                          <p:stCondLst>
+                                            <p:cond delay="0"/>
+                                          </p:stCondLst>
+                                        </p:cTn>
+                                        <p:tgtEl>
+                                          <p:spTgt spid="15">
+                                            <p:txEl>
+                                              <p:pRg st="3" end="3"/>
+                                            </p:txEl>
+                                          </p:spTgt>
+                                        </p:tgtEl>
+                                        <p:attrNameLst>
+                                          <p:attrName>style.visibility</p:attrName>
+                                        </p:attrNameLst>
+                                      </p:cBhvr>
+                                      <p:to>
+                                        <p:strVal val="visible"/>
+                                      </p:to>
+                                    </p:set>
+                                    <p:animEffect transition="in" filter="fade">
+                                      <p:cBhvr>
+                                        <p:cTn id="23" dur="500"/>
+                                        <p:tgtEl>
+                                          <p:spTgt spid="15">
+                                            <p:txEl>
+                                              <p:pRg st="3" end="3"/>
+                                            </p:txEl>
+                                          </p:spTgt>
+                                        </p:tgtEl>
+                                      </p:cBhvr>
+                                    </p:animEffect>
+                                  </p:childTnLst>
+                                </p:cTn>
+                              </p:par>
+                            </p:childTnLst>
+                          </p:cTn>
+                        </p:par>
+                      </p:childTnLst>
+                    </p:cTn>
+                  </p:par>
+                  <p:par>
+                    <p:cTn id="24" fill="hold">
+                      <p:stCondLst>
+                        <p:cond delay="indefinite"/>
+                      </p:stCondLst>
+                      <p:childTnLst>
+                        <p:par>
+                          <p:cTn id="25" fill="hold">
+                            <p:stCondLst>
+                              <p:cond delay="0"/>
+                            </p:stCondLst>
+                            <p:childTnLst>
+                              <p:par>
+                                <p:cTn id="26" presetID="10" presetClass="entr" presetSubtype="0" fill="hold" grpId="0" nodeType="clickEffect">
+                                  <p:stCondLst>
+                                    <p:cond delay="0"/>
+                                  </p:stCondLst>
+                                  <p:childTnLst>
+                                    <p:set>
+                                      <p:cBhvr>
+                                        <p:cTn id="27" dur="1" fill="hold">
+                                          <p:stCondLst>
+                                            <p:cond delay="0"/>
+                                          </p:stCondLst>
+                                        </p:cTn>
+                                        <p:tgtEl>
+                                          <p:spTgt spid="10"/>
+                                        </p:tgtEl>
+                                        <p:attrNameLst>
+                                          <p:attrName>style.visibility</p:attrName>
+                                        </p:attrNameLst>
+                                      </p:cBhvr>
+                                      <p:to>
+                                        <p:strVal val="visible"/>
+                                      </p:to>
+                                    </p:set>
+                                    <p:animEffect transition="in" filter="fade">
+                                      <p:cBhvr>
+                                        <p:cTn id="28" dur="500"/>
+                                        <p:tgtEl>
+                                          <p:spTgt spid="10"/>
+                                        </p:tgtEl>
+                                      </p:cBhvr>
+                                    </p:animEffect>
+                                  </p:childTnLst>
+                                </p:cTn>
+                              </p:par>
+                            </p:childTnLst>
+                          </p:cTn>
+                        </p:par>
+                      </p:childTnLst>
+                    </p:cTn>
+                  </p:par>
+                  <p:par>
+                    <p:cTn id="29" fill="hold">
+                      <p:stCondLst>
+                        <p:cond delay="indefinite"/>
+                      </p:stCondLst>
+                      <p:childTnLst>
+                        <p:par>
+                          <p:cTn id="30" fill="hold">
+                            <p:stCondLst>
+                              <p:cond delay="0"/>
+                            </p:stCondLst>
+                            <p:childTnLst>
+                              <p:par>
+                                <p:cTn id="31" presetID="10" presetClass="entr" presetSubtype="0" fill="hold" nodeType="clickEffect">
+                                  <p:stCondLst>
+                                    <p:cond delay="0"/>
+                                  </p:stCondLst>
+                                  <p:childTnLst>
+                                    <p:set>
+                                      <p:cBhvr>
+                                        <p:cTn id="32" dur="1" fill="hold">
+                                          <p:stCondLst>
+                                            <p:cond delay="0"/>
+                                          </p:stCondLst>
+                                        </p:cTn>
+                                        <p:tgtEl>
+                                          <p:spTgt spid="9"/>
+                                        </p:tgtEl>
+                                        <p:attrNameLst>
+                                          <p:attrName>style.visibility</p:attrName>
+                                        </p:attrNameLst>
+                                      </p:cBhvr>
+                                      <p:to>
+                                        <p:strVal val="visible"/>
+                                      </p:to>
+                                    </p:set>
+                                    <p:animEffect transition="in" filter="fade">
+                                      <p:cBhvr>
+                                        <p:cTn id="33" dur="500"/>
+                                        <p:tgtEl>
+                                          <p:spTgt spid="9"/>
+                                        </p:tgtEl>
+                                      </p:cBhvr>
+                                    </p:animEffect>
+                                  </p:childTnLst>
+                                </p:cTn>
+                              </p:par>
+                              <p:par>
+                                <p:cTn id="34" presetID="10" presetClass="entr" presetSubtype="0" fill="hold" nodeType="withEffect">
+                                  <p:stCondLst>
+                                    <p:cond delay="0"/>
+                                  </p:stCondLst>
+                                  <p:childTnLst>
+                                    <p:set>
+                                      <p:cBhvr>
+                                        <p:cTn id="35" dur="1" fill="hold">
+                                          <p:stCondLst>
+                                            <p:cond delay="0"/>
+                                          </p:stCondLst>
+                                        </p:cTn>
+                                        <p:tgtEl>
+                                          <p:spTgt spid="7">
+                                            <p:txEl>
+                                              <p:pRg st="0" end="0"/>
+                                            </p:txEl>
+                                          </p:spTgt>
+                                        </p:tgtEl>
+                                        <p:attrNameLst>
+                                          <p:attrName>style.visibility</p:attrName>
+                                        </p:attrNameLst>
+                                      </p:cBhvr>
+                                      <p:to>
+                                        <p:strVal val="visible"/>
+                                      </p:to>
+                                    </p:set>
+                                    <p:animEffect transition="in" filter="fade">
+                                      <p:cBhvr>
+                                        <p:cTn id="36" dur="500"/>
+                                        <p:tgtEl>
+                                          <p:spTgt spid="7">
+                                            <p:txEl>
+                                              <p:pRg st="0" end="0"/>
+                                            </p:txEl>
+                                          </p:spTgt>
+                                        </p:tgtEl>
+                                      </p:cBhvr>
+                                    </p:animEffect>
+                                  </p:childTnLst>
+                                </p:cTn>
+                              </p:par>
+                            </p:childTnLst>
+                          </p:cTn>
+                        </p:par>
+                      </p:childTnLst>
+                    </p:cTn>
+                  </p:par>
+                  <p:par>
+                    <p:cTn id="37" fill="hold">
+                      <p:stCondLst>
+                        <p:cond delay="indefinite"/>
+                      </p:stCondLst>
+                      <p:childTnLst>
+                        <p:par>
+                          <p:cTn id="38" fill="hold">
+                            <p:stCondLst>
+                              <p:cond delay="0"/>
+                            </p:stCondLst>
+                            <p:childTnLst>
+                              <p:par>
+                                <p:cTn id="39" presetID="10" presetClass="entr" presetSubtype="0" fill="hold" grpId="0" nodeType="clickEffect">
+                                  <p:stCondLst>
+                                    <p:cond delay="0"/>
+                                  </p:stCondLst>
+                                  <p:childTnLst>
+                                    <p:set>
+                                      <p:cBhvr>
+                                        <p:cTn id="40" dur="1" fill="hold">
+                                          <p:stCondLst>
+                                            <p:cond delay="0"/>
+                                          </p:stCondLst>
+                                        </p:cTn>
+                                        <p:tgtEl>
+                                          <p:spTgt spid="8"/>
+                                        </p:tgtEl>
+                                        <p:attrNameLst>
+                                          <p:attrName>style.visibility</p:attrName>
+                                        </p:attrNameLst>
+                                      </p:cBhvr>
+                                      <p:to>
+                                        <p:strVal val="visible"/>
+                                      </p:to>
+                                    </p:set>
+                                    <p:animEffect transition="in" filter="fade">
+                                      <p:cBhvr>
+                                        <p:cTn id="41" dur="500"/>
+                                        <p:tgtEl>
+                                          <p:spTgt spid="8"/>
+                                        </p:tgtEl>
+                                      </p:cBhvr>
+                                    </p:animEffect>
+                                  </p:childTnLst>
+                                </p:cTn>
+                              </p:par>
+                            </p:childTnLst>
+                          </p:cTn>
+                        </p:par>
+                      </p:childTnLst>
+                    </p:cTn>
+                  </p:par>
+                  <p:par>
+                    <p:cTn id="42" fill="hold">
+                      <p:stCondLst>
+                        <p:cond delay="indefinite"/>
+                      </p:stCondLst>
+                      <p:childTnLst>
+                        <p:par>
+                          <p:cTn id="43" fill="hold">
+                            <p:stCondLst>
+                              <p:cond delay="0"/>
+                            </p:stCondLst>
+                            <p:childTnLst>
+                              <p:par>
+                                <p:cTn id="44" presetID="10" presetClass="entr" presetSubtype="0" fill="hold" nodeType="clickEffect">
+                                  <p:stCondLst>
+                                    <p:cond delay="0"/>
+                                  </p:stCondLst>
+                                  <p:childTnLst>
+                                    <p:set>
+                                      <p:cBhvr>
+                                        <p:cTn id="45" dur="1" fill="hold">
+                                          <p:stCondLst>
+                                            <p:cond delay="0"/>
+                                          </p:stCondLst>
+                                        </p:cTn>
+                                        <p:tgtEl>
+                                          <p:spTgt spid="4"/>
+                                        </p:tgtEl>
+                                        <p:attrNameLst>
+                                          <p:attrName>style.visibility</p:attrName>
+                                        </p:attrNameLst>
+                                      </p:cBhvr>
+                                      <p:to>
+                                        <p:strVal val="visible"/>
+                                      </p:to>
+                                    </p:set>
+                                    <p:animEffect transition="in" filter="fade">
+                                      <p:cBhvr>
+                                        <p:cTn id="46" dur="500"/>
+                                        <p:tgtEl>
+                                          <p:spTgt spid="4"/>
+                                        </p:tgtEl>
+                                      </p:cBhvr>
+                                    </p:animEffect>
+                                  </p:childTnLst>
+                                </p:cTn>
+                              </p:par>
+                              <p:par>
+                                <p:cTn id="47" presetID="10" presetClass="entr" presetSubtype="0" fill="hold" grpId="0" nodeType="withEffect">
+                                  <p:stCondLst>
+                                    <p:cond delay="0"/>
+                                  </p:stCondLst>
+                                  <p:childTnLst>
+                                    <p:set>
+                                      <p:cBhvr>
+                                        <p:cTn id="48" dur="1" fill="hold">
+                                          <p:stCondLst>
+                                            <p:cond delay="0"/>
+                                          </p:stCondLst>
+                                        </p:cTn>
+                                        <p:tgtEl>
+                                          <p:spTgt spid="11"/>
+                                        </p:tgtEl>
+                                        <p:attrNameLst>
+                                          <p:attrName>style.visibility</p:attrName>
+                                        </p:attrNameLst>
+                                      </p:cBhvr>
+                                      <p:to>
+                                        <p:strVal val="visible"/>
+                                      </p:to>
+                                    </p:set>
+                                    <p:animEffect transition="in" filter="fade">
+                                      <p:cBhvr>
+                                        <p:cTn id="49" dur="500"/>
+                                        <p:tgtEl>
+                                          <p:spTgt spid="11"/>
+                                        </p:tgtEl>
+                                      </p:cBhvr>
+                                    </p:animEffect>
+                                  </p:childTnLst>
+                                </p:cTn>
+                              </p:par>
+                            </p:childTnLst>
+                          </p:cTn>
+                        </p:par>
+                      </p:childTnLst>
+                    </p:cTn>
+                  </p:par>
+                  <p:par>
+                    <p:cTn id="50" fill="hold">
+                      <p:stCondLst>
+                        <p:cond delay="indefinite"/>
+                      </p:stCondLst>
+                      <p:childTnLst>
+                        <p:par>
+                          <p:cTn id="51" fill="hold">
+                            <p:stCondLst>
+                              <p:cond delay="0"/>
+                            </p:stCondLst>
+                            <p:childTnLst>
+                              <p:par>
+                                <p:cTn id="52" presetID="10" presetClass="entr" presetSubtype="0" fill="hold" nodeType="clickEffect">
+                                  <p:stCondLst>
+                                    <p:cond delay="0"/>
+                                  </p:stCondLst>
+                                  <p:childTnLst>
+                                    <p:set>
+                                      <p:cBhvr>
+                                        <p:cTn id="53" dur="1" fill="hold">
+                                          <p:stCondLst>
+                                            <p:cond delay="0"/>
+                                          </p:stCondLst>
+                                        </p:cTn>
+                                        <p:tgtEl>
+                                          <p:spTgt spid="6"/>
+                                        </p:tgtEl>
+                                        <p:attrNameLst>
+                                          <p:attrName>style.visibility</p:attrName>
+                                        </p:attrNameLst>
+                                      </p:cBhvr>
+                                      <p:to>
+                                        <p:strVal val="visible"/>
+                                      </p:to>
+                                    </p:set>
+                                    <p:animEffect transition="in" filter="fade">
+                                      <p:cBhvr>
+                                        <p:cTn id="54" dur="500"/>
+                                        <p:tgtEl>
+                                          <p:spTgt spid="6"/>
+                                        </p:tgtEl>
+                                      </p:cBhvr>
+                                    </p:animEffect>
+                                  </p:childTnLst>
+                                </p:cTn>
+                              </p:par>
+                              <p:par>
+                                <p:cTn id="55" presetID="10" presetClass="entr" presetSubtype="0" fill="hold" grpId="0" nodeType="withEffect">
+                                  <p:stCondLst>
+                                    <p:cond delay="0"/>
+                                  </p:stCondLst>
+                                  <p:childTnLst>
+                                    <p:set>
+                                      <p:cBhvr>
+                                        <p:cTn id="56" dur="1" fill="hold">
+                                          <p:stCondLst>
+                                            <p:cond delay="0"/>
+                                          </p:stCondLst>
+                                        </p:cTn>
+                                        <p:tgtEl>
+                                          <p:spTgt spid="13"/>
+                                        </p:tgtEl>
+                                        <p:attrNameLst>
+                                          <p:attrName>style.visibility</p:attrName>
+                                        </p:attrNameLst>
+                                      </p:cBhvr>
+                                      <p:to>
+                                        <p:strVal val="visible"/>
+                                      </p:to>
+                                    </p:set>
+                                    <p:animEffect transition="in" filter="fade">
+                                      <p:cBhvr>
+                                        <p:cTn id="57" dur="500"/>
+                                        <p:tgtEl>
+                                          <p:spTgt spid="13"/>
+                                        </p:tgtEl>
+                                      </p:cBhvr>
+                                    </p:animEffect>
+                                  </p:childTnLst>
+                                </p:cTn>
+                              </p:par>
+                            </p:childTnLst>
+                          </p:cTn>
+                        </p:par>
+                      </p:childTnLst>
+                    </p:cTn>
+                  </p:par>
+                </p:childTnLst>
+              </p:cTn>
+              <p:prevCondLst>
+                <p:cond evt="onPrev" delay="0">
+                  <p:tgtEl>
+                    <p:sldTgt/>
+                  </p:tgtEl>
+                </p:cond>
+              </p:prevCondLst>
+              <p:nextCondLst>
+                <p:cond evt="onNext" delay="0">
+                  <p:tgtEl>
+                    <p:sldTgt/>
+                  </p:tgtEl>
+                </p:cond>
+              </p:nextCondLst>
+            </p:seq>
+          </p:childTnLst>
+        </p:cTn>
+      </p:par>
+    </p:tnLst>
+    <p:bldLst>
+      <p:bldP spid="10" grpId="0"/>
+      <p:bldP spid="11" grpId="0"/>
+      <p:bldP spid="8" grpId="0"/>
+      <p:bldP spid="13" grpId="0"/>
+    </p:bldLst>
+  </p:timing>
 </p:sld>
 </file>
 
@@ -5375,23 +6513,7 @@
           <a:p>
             <a:r>
               <a:rPr lang="pt-PT" sz="2400" dirty="0"/>
-              <a:t>Data de Nascimento: </a:t>
-            </a:r>
-            <a:r>
-              <a:rPr lang="pt-PT" sz="2400" dirty="0" err="1"/>
-              <a:t>xx</a:t>
-            </a:r>
-            <a:r>
-              <a:rPr lang="pt-PT" sz="2400" dirty="0"/>
-              <a:t>/</a:t>
-            </a:r>
-            <a:r>
-              <a:rPr lang="pt-PT" sz="2400" dirty="0" err="1"/>
-              <a:t>xx</a:t>
-            </a:r>
-            <a:r>
-              <a:rPr lang="pt-PT" sz="2400" dirty="0"/>
-              <a:t>/3001</a:t>
+              <a:t>Data de Nascimento: 09/11/3001</a:t>
             </a:r>
           </a:p>
           <a:p>
@@ -5711,6 +6833,621 @@
   <p:clrMapOvr>
     <a:masterClrMapping/>
   </p:clrMapOvr>
+  <mc:AlternateContent xmlns:mc="http://schemas.openxmlformats.org/markup-compatibility/2006">
+    <mc:Choice xmlns:p14="http://schemas.microsoft.com/office/powerpoint/2010/main" Requires="p14">
+      <p:transition spd="med" p14:dur="700">
+        <p:fade/>
+      </p:transition>
+    </mc:Choice>
+    <mc:Fallback>
+      <p:transition spd="med">
+        <p:fade/>
+      </p:transition>
+    </mc:Fallback>
+  </mc:AlternateContent>
+  <p:timing>
+    <p:tnLst>
+      <p:par>
+        <p:cTn id="1" dur="indefinite" restart="never" nodeType="tmRoot">
+          <p:childTnLst>
+            <p:seq concurrent="1" nextAc="seek">
+              <p:cTn id="2" dur="indefinite" nodeType="mainSeq">
+                <p:childTnLst>
+                  <p:par>
+                    <p:cTn id="3" fill="hold">
+                      <p:stCondLst>
+                        <p:cond delay="indefinite"/>
+                      </p:stCondLst>
+                      <p:childTnLst>
+                        <p:par>
+                          <p:cTn id="4" fill="hold">
+                            <p:stCondLst>
+                              <p:cond delay="0"/>
+                            </p:stCondLst>
+                            <p:childTnLst>
+                              <p:par>
+                                <p:cTn id="5" presetID="10" presetClass="entr" presetSubtype="0" fill="hold" nodeType="clickEffect">
+                                  <p:stCondLst>
+                                    <p:cond delay="0"/>
+                                  </p:stCondLst>
+                                  <p:childTnLst>
+                                    <p:set>
+                                      <p:cBhvr>
+                                        <p:cTn id="6" dur="1" fill="hold">
+                                          <p:stCondLst>
+                                            <p:cond delay="0"/>
+                                          </p:stCondLst>
+                                        </p:cTn>
+                                        <p:tgtEl>
+                                          <p:spTgt spid="6"/>
+                                        </p:tgtEl>
+                                        <p:attrNameLst>
+                                          <p:attrName>style.visibility</p:attrName>
+                                        </p:attrNameLst>
+                                      </p:cBhvr>
+                                      <p:to>
+                                        <p:strVal val="visible"/>
+                                      </p:to>
+                                    </p:set>
+                                    <p:animEffect transition="in" filter="fade">
+                                      <p:cBhvr>
+                                        <p:cTn id="7" dur="500"/>
+                                        <p:tgtEl>
+                                          <p:spTgt spid="6"/>
+                                        </p:tgtEl>
+                                      </p:cBhvr>
+                                    </p:animEffect>
+                                  </p:childTnLst>
+                                </p:cTn>
+                              </p:par>
+                            </p:childTnLst>
+                          </p:cTn>
+                        </p:par>
+                        <p:par>
+                          <p:cTn id="8" fill="hold">
+                            <p:stCondLst>
+                              <p:cond delay="500"/>
+                            </p:stCondLst>
+                            <p:childTnLst>
+                              <p:par>
+                                <p:cTn id="9" presetID="10" presetClass="entr" presetSubtype="0" fill="hold" nodeType="afterEffect">
+                                  <p:stCondLst>
+                                    <p:cond delay="0"/>
+                                  </p:stCondLst>
+                                  <p:childTnLst>
+                                    <p:set>
+                                      <p:cBhvr>
+                                        <p:cTn id="10" dur="1" fill="hold">
+                                          <p:stCondLst>
+                                            <p:cond delay="0"/>
+                                          </p:stCondLst>
+                                        </p:cTn>
+                                        <p:tgtEl>
+                                          <p:spTgt spid="4">
+                                            <p:txEl>
+                                              <p:pRg st="0" end="0"/>
+                                            </p:txEl>
+                                          </p:spTgt>
+                                        </p:tgtEl>
+                                        <p:attrNameLst>
+                                          <p:attrName>style.visibility</p:attrName>
+                                        </p:attrNameLst>
+                                      </p:cBhvr>
+                                      <p:to>
+                                        <p:strVal val="visible"/>
+                                      </p:to>
+                                    </p:set>
+                                    <p:animEffect transition="in" filter="fade">
+                                      <p:cBhvr>
+                                        <p:cTn id="11" dur="250"/>
+                                        <p:tgtEl>
+                                          <p:spTgt spid="4">
+                                            <p:txEl>
+                                              <p:pRg st="0" end="0"/>
+                                            </p:txEl>
+                                          </p:spTgt>
+                                        </p:tgtEl>
+                                      </p:cBhvr>
+                                    </p:animEffect>
+                                  </p:childTnLst>
+                                </p:cTn>
+                              </p:par>
+                            </p:childTnLst>
+                          </p:cTn>
+                        </p:par>
+                        <p:par>
+                          <p:cTn id="12" fill="hold">
+                            <p:stCondLst>
+                              <p:cond delay="750"/>
+                            </p:stCondLst>
+                            <p:childTnLst>
+                              <p:par>
+                                <p:cTn id="13" presetID="10" presetClass="entr" presetSubtype="0" fill="hold" nodeType="afterEffect">
+                                  <p:stCondLst>
+                                    <p:cond delay="0"/>
+                                  </p:stCondLst>
+                                  <p:childTnLst>
+                                    <p:set>
+                                      <p:cBhvr>
+                                        <p:cTn id="14" dur="1" fill="hold">
+                                          <p:stCondLst>
+                                            <p:cond delay="0"/>
+                                          </p:stCondLst>
+                                        </p:cTn>
+                                        <p:tgtEl>
+                                          <p:spTgt spid="4">
+                                            <p:txEl>
+                                              <p:pRg st="1" end="1"/>
+                                            </p:txEl>
+                                          </p:spTgt>
+                                        </p:tgtEl>
+                                        <p:attrNameLst>
+                                          <p:attrName>style.visibility</p:attrName>
+                                        </p:attrNameLst>
+                                      </p:cBhvr>
+                                      <p:to>
+                                        <p:strVal val="visible"/>
+                                      </p:to>
+                                    </p:set>
+                                    <p:animEffect transition="in" filter="fade">
+                                      <p:cBhvr>
+                                        <p:cTn id="15" dur="250"/>
+                                        <p:tgtEl>
+                                          <p:spTgt spid="4">
+                                            <p:txEl>
+                                              <p:pRg st="1" end="1"/>
+                                            </p:txEl>
+                                          </p:spTgt>
+                                        </p:tgtEl>
+                                      </p:cBhvr>
+                                    </p:animEffect>
+                                  </p:childTnLst>
+                                </p:cTn>
+                              </p:par>
+                            </p:childTnLst>
+                          </p:cTn>
+                        </p:par>
+                        <p:par>
+                          <p:cTn id="16" fill="hold">
+                            <p:stCondLst>
+                              <p:cond delay="1000"/>
+                            </p:stCondLst>
+                            <p:childTnLst>
+                              <p:par>
+                                <p:cTn id="17" presetID="10" presetClass="entr" presetSubtype="0" fill="hold" nodeType="afterEffect">
+                                  <p:stCondLst>
+                                    <p:cond delay="0"/>
+                                  </p:stCondLst>
+                                  <p:childTnLst>
+                                    <p:set>
+                                      <p:cBhvr>
+                                        <p:cTn id="18" dur="1" fill="hold">
+                                          <p:stCondLst>
+                                            <p:cond delay="0"/>
+                                          </p:stCondLst>
+                                        </p:cTn>
+                                        <p:tgtEl>
+                                          <p:spTgt spid="4">
+                                            <p:txEl>
+                                              <p:pRg st="2" end="2"/>
+                                            </p:txEl>
+                                          </p:spTgt>
+                                        </p:tgtEl>
+                                        <p:attrNameLst>
+                                          <p:attrName>style.visibility</p:attrName>
+                                        </p:attrNameLst>
+                                      </p:cBhvr>
+                                      <p:to>
+                                        <p:strVal val="visible"/>
+                                      </p:to>
+                                    </p:set>
+                                    <p:animEffect transition="in" filter="fade">
+                                      <p:cBhvr>
+                                        <p:cTn id="19" dur="250"/>
+                                        <p:tgtEl>
+                                          <p:spTgt spid="4">
+                                            <p:txEl>
+                                              <p:pRg st="2" end="2"/>
+                                            </p:txEl>
+                                          </p:spTgt>
+                                        </p:tgtEl>
+                                      </p:cBhvr>
+                                    </p:animEffect>
+                                  </p:childTnLst>
+                                </p:cTn>
+                              </p:par>
+                            </p:childTnLst>
+                          </p:cTn>
+                        </p:par>
+                        <p:par>
+                          <p:cTn id="20" fill="hold">
+                            <p:stCondLst>
+                              <p:cond delay="1250"/>
+                            </p:stCondLst>
+                            <p:childTnLst>
+                              <p:par>
+                                <p:cTn id="21" presetID="10" presetClass="entr" presetSubtype="0" fill="hold" nodeType="afterEffect">
+                                  <p:stCondLst>
+                                    <p:cond delay="0"/>
+                                  </p:stCondLst>
+                                  <p:childTnLst>
+                                    <p:set>
+                                      <p:cBhvr>
+                                        <p:cTn id="22" dur="1" fill="hold">
+                                          <p:stCondLst>
+                                            <p:cond delay="0"/>
+                                          </p:stCondLst>
+                                        </p:cTn>
+                                        <p:tgtEl>
+                                          <p:spTgt spid="4">
+                                            <p:txEl>
+                                              <p:pRg st="3" end="3"/>
+                                            </p:txEl>
+                                          </p:spTgt>
+                                        </p:tgtEl>
+                                        <p:attrNameLst>
+                                          <p:attrName>style.visibility</p:attrName>
+                                        </p:attrNameLst>
+                                      </p:cBhvr>
+                                      <p:to>
+                                        <p:strVal val="visible"/>
+                                      </p:to>
+                                    </p:set>
+                                    <p:animEffect transition="in" filter="fade">
+                                      <p:cBhvr>
+                                        <p:cTn id="23" dur="250"/>
+                                        <p:tgtEl>
+                                          <p:spTgt spid="4">
+                                            <p:txEl>
+                                              <p:pRg st="3" end="3"/>
+                                            </p:txEl>
+                                          </p:spTgt>
+                                        </p:tgtEl>
+                                      </p:cBhvr>
+                                    </p:animEffect>
+                                  </p:childTnLst>
+                                </p:cTn>
+                              </p:par>
+                            </p:childTnLst>
+                          </p:cTn>
+                        </p:par>
+                        <p:par>
+                          <p:cTn id="24" fill="hold">
+                            <p:stCondLst>
+                              <p:cond delay="1500"/>
+                            </p:stCondLst>
+                            <p:childTnLst>
+                              <p:par>
+                                <p:cTn id="25" presetID="10" presetClass="entr" presetSubtype="0" fill="hold" nodeType="afterEffect">
+                                  <p:stCondLst>
+                                    <p:cond delay="0"/>
+                                  </p:stCondLst>
+                                  <p:childTnLst>
+                                    <p:set>
+                                      <p:cBhvr>
+                                        <p:cTn id="26" dur="1" fill="hold">
+                                          <p:stCondLst>
+                                            <p:cond delay="0"/>
+                                          </p:stCondLst>
+                                        </p:cTn>
+                                        <p:tgtEl>
+                                          <p:spTgt spid="4">
+                                            <p:txEl>
+                                              <p:pRg st="4" end="4"/>
+                                            </p:txEl>
+                                          </p:spTgt>
+                                        </p:tgtEl>
+                                        <p:attrNameLst>
+                                          <p:attrName>style.visibility</p:attrName>
+                                        </p:attrNameLst>
+                                      </p:cBhvr>
+                                      <p:to>
+                                        <p:strVal val="visible"/>
+                                      </p:to>
+                                    </p:set>
+                                    <p:animEffect transition="in" filter="fade">
+                                      <p:cBhvr>
+                                        <p:cTn id="27" dur="250"/>
+                                        <p:tgtEl>
+                                          <p:spTgt spid="4">
+                                            <p:txEl>
+                                              <p:pRg st="4" end="4"/>
+                                            </p:txEl>
+                                          </p:spTgt>
+                                        </p:tgtEl>
+                                      </p:cBhvr>
+                                    </p:animEffect>
+                                  </p:childTnLst>
+                                </p:cTn>
+                              </p:par>
+                            </p:childTnLst>
+                          </p:cTn>
+                        </p:par>
+                        <p:par>
+                          <p:cTn id="28" fill="hold">
+                            <p:stCondLst>
+                              <p:cond delay="1750"/>
+                            </p:stCondLst>
+                            <p:childTnLst>
+                              <p:par>
+                                <p:cTn id="29" presetID="10" presetClass="entr" presetSubtype="0" fill="hold" nodeType="afterEffect">
+                                  <p:stCondLst>
+                                    <p:cond delay="0"/>
+                                  </p:stCondLst>
+                                  <p:childTnLst>
+                                    <p:set>
+                                      <p:cBhvr>
+                                        <p:cTn id="30" dur="1" fill="hold">
+                                          <p:stCondLst>
+                                            <p:cond delay="0"/>
+                                          </p:stCondLst>
+                                        </p:cTn>
+                                        <p:tgtEl>
+                                          <p:spTgt spid="4">
+                                            <p:txEl>
+                                              <p:pRg st="5" end="5"/>
+                                            </p:txEl>
+                                          </p:spTgt>
+                                        </p:tgtEl>
+                                        <p:attrNameLst>
+                                          <p:attrName>style.visibility</p:attrName>
+                                        </p:attrNameLst>
+                                      </p:cBhvr>
+                                      <p:to>
+                                        <p:strVal val="visible"/>
+                                      </p:to>
+                                    </p:set>
+                                    <p:animEffect transition="in" filter="fade">
+                                      <p:cBhvr>
+                                        <p:cTn id="31" dur="250"/>
+                                        <p:tgtEl>
+                                          <p:spTgt spid="4">
+                                            <p:txEl>
+                                              <p:pRg st="5" end="5"/>
+                                            </p:txEl>
+                                          </p:spTgt>
+                                        </p:tgtEl>
+                                      </p:cBhvr>
+                                    </p:animEffect>
+                                  </p:childTnLst>
+                                </p:cTn>
+                              </p:par>
+                            </p:childTnLst>
+                          </p:cTn>
+                        </p:par>
+                        <p:par>
+                          <p:cTn id="32" fill="hold">
+                            <p:stCondLst>
+                              <p:cond delay="2000"/>
+                            </p:stCondLst>
+                            <p:childTnLst>
+                              <p:par>
+                                <p:cTn id="33" presetID="10" presetClass="entr" presetSubtype="0" fill="hold" nodeType="afterEffect">
+                                  <p:stCondLst>
+                                    <p:cond delay="0"/>
+                                  </p:stCondLst>
+                                  <p:childTnLst>
+                                    <p:set>
+                                      <p:cBhvr>
+                                        <p:cTn id="34" dur="1" fill="hold">
+                                          <p:stCondLst>
+                                            <p:cond delay="0"/>
+                                          </p:stCondLst>
+                                        </p:cTn>
+                                        <p:tgtEl>
+                                          <p:spTgt spid="4">
+                                            <p:txEl>
+                                              <p:pRg st="6" end="6"/>
+                                            </p:txEl>
+                                          </p:spTgt>
+                                        </p:tgtEl>
+                                        <p:attrNameLst>
+                                          <p:attrName>style.visibility</p:attrName>
+                                        </p:attrNameLst>
+                                      </p:cBhvr>
+                                      <p:to>
+                                        <p:strVal val="visible"/>
+                                      </p:to>
+                                    </p:set>
+                                    <p:animEffect transition="in" filter="fade">
+                                      <p:cBhvr>
+                                        <p:cTn id="35" dur="250"/>
+                                        <p:tgtEl>
+                                          <p:spTgt spid="4">
+                                            <p:txEl>
+                                              <p:pRg st="6" end="6"/>
+                                            </p:txEl>
+                                          </p:spTgt>
+                                        </p:tgtEl>
+                                      </p:cBhvr>
+                                    </p:animEffect>
+                                  </p:childTnLst>
+                                </p:cTn>
+                              </p:par>
+                            </p:childTnLst>
+                          </p:cTn>
+                        </p:par>
+                        <p:par>
+                          <p:cTn id="36" fill="hold">
+                            <p:stCondLst>
+                              <p:cond delay="2250"/>
+                            </p:stCondLst>
+                            <p:childTnLst>
+                              <p:par>
+                                <p:cTn id="37" presetID="10" presetClass="entr" presetSubtype="0" fill="hold" nodeType="afterEffect">
+                                  <p:stCondLst>
+                                    <p:cond delay="0"/>
+                                  </p:stCondLst>
+                                  <p:childTnLst>
+                                    <p:set>
+                                      <p:cBhvr>
+                                        <p:cTn id="38" dur="1" fill="hold">
+                                          <p:stCondLst>
+                                            <p:cond delay="0"/>
+                                          </p:stCondLst>
+                                        </p:cTn>
+                                        <p:tgtEl>
+                                          <p:spTgt spid="4">
+                                            <p:txEl>
+                                              <p:pRg st="7" end="7"/>
+                                            </p:txEl>
+                                          </p:spTgt>
+                                        </p:tgtEl>
+                                        <p:attrNameLst>
+                                          <p:attrName>style.visibility</p:attrName>
+                                        </p:attrNameLst>
+                                      </p:cBhvr>
+                                      <p:to>
+                                        <p:strVal val="visible"/>
+                                      </p:to>
+                                    </p:set>
+                                    <p:animEffect transition="in" filter="fade">
+                                      <p:cBhvr>
+                                        <p:cTn id="39" dur="250"/>
+                                        <p:tgtEl>
+                                          <p:spTgt spid="4">
+                                            <p:txEl>
+                                              <p:pRg st="7" end="7"/>
+                                            </p:txEl>
+                                          </p:spTgt>
+                                        </p:tgtEl>
+                                      </p:cBhvr>
+                                    </p:animEffect>
+                                  </p:childTnLst>
+                                </p:cTn>
+                              </p:par>
+                            </p:childTnLst>
+                          </p:cTn>
+                        </p:par>
+                        <p:par>
+                          <p:cTn id="40" fill="hold">
+                            <p:stCondLst>
+                              <p:cond delay="2500"/>
+                            </p:stCondLst>
+                            <p:childTnLst>
+                              <p:par>
+                                <p:cTn id="41" presetID="10" presetClass="entr" presetSubtype="0" fill="hold" nodeType="afterEffect">
+                                  <p:stCondLst>
+                                    <p:cond delay="0"/>
+                                  </p:stCondLst>
+                                  <p:childTnLst>
+                                    <p:set>
+                                      <p:cBhvr>
+                                        <p:cTn id="42" dur="1" fill="hold">
+                                          <p:stCondLst>
+                                            <p:cond delay="0"/>
+                                          </p:stCondLst>
+                                        </p:cTn>
+                                        <p:tgtEl>
+                                          <p:spTgt spid="4">
+                                            <p:txEl>
+                                              <p:pRg st="8" end="8"/>
+                                            </p:txEl>
+                                          </p:spTgt>
+                                        </p:tgtEl>
+                                        <p:attrNameLst>
+                                          <p:attrName>style.visibility</p:attrName>
+                                        </p:attrNameLst>
+                                      </p:cBhvr>
+                                      <p:to>
+                                        <p:strVal val="visible"/>
+                                      </p:to>
+                                    </p:set>
+                                    <p:animEffect transition="in" filter="fade">
+                                      <p:cBhvr>
+                                        <p:cTn id="43" dur="250"/>
+                                        <p:tgtEl>
+                                          <p:spTgt spid="4">
+                                            <p:txEl>
+                                              <p:pRg st="8" end="8"/>
+                                            </p:txEl>
+                                          </p:spTgt>
+                                        </p:tgtEl>
+                                      </p:cBhvr>
+                                    </p:animEffect>
+                                  </p:childTnLst>
+                                </p:cTn>
+                              </p:par>
+                            </p:childTnLst>
+                          </p:cTn>
+                        </p:par>
+                        <p:par>
+                          <p:cTn id="44" fill="hold">
+                            <p:stCondLst>
+                              <p:cond delay="2750"/>
+                            </p:stCondLst>
+                            <p:childTnLst>
+                              <p:par>
+                                <p:cTn id="45" presetID="10" presetClass="entr" presetSubtype="0" fill="hold" nodeType="afterEffect">
+                                  <p:stCondLst>
+                                    <p:cond delay="0"/>
+                                  </p:stCondLst>
+                                  <p:childTnLst>
+                                    <p:set>
+                                      <p:cBhvr>
+                                        <p:cTn id="46" dur="1" fill="hold">
+                                          <p:stCondLst>
+                                            <p:cond delay="0"/>
+                                          </p:stCondLst>
+                                        </p:cTn>
+                                        <p:tgtEl>
+                                          <p:spTgt spid="4">
+                                            <p:txEl>
+                                              <p:pRg st="9" end="9"/>
+                                            </p:txEl>
+                                          </p:spTgt>
+                                        </p:tgtEl>
+                                        <p:attrNameLst>
+                                          <p:attrName>style.visibility</p:attrName>
+                                        </p:attrNameLst>
+                                      </p:cBhvr>
+                                      <p:to>
+                                        <p:strVal val="visible"/>
+                                      </p:to>
+                                    </p:set>
+                                    <p:animEffect transition="in" filter="fade">
+                                      <p:cBhvr>
+                                        <p:cTn id="47" dur="250"/>
+                                        <p:tgtEl>
+                                          <p:spTgt spid="4">
+                                            <p:txEl>
+                                              <p:pRg st="9" end="9"/>
+                                            </p:txEl>
+                                          </p:spTgt>
+                                        </p:tgtEl>
+                                      </p:cBhvr>
+                                    </p:animEffect>
+                                  </p:childTnLst>
+                                </p:cTn>
+                              </p:par>
+                            </p:childTnLst>
+                          </p:cTn>
+                        </p:par>
+                      </p:childTnLst>
+                    </p:cTn>
+                  </p:par>
+                </p:childTnLst>
+              </p:cTn>
+              <p:prevCondLst>
+                <p:cond evt="onPrev" delay="0">
+                  <p:tgtEl>
+                    <p:sldTgt/>
+                  </p:tgtEl>
+                </p:cond>
+              </p:prevCondLst>
+              <p:nextCondLst>
+                <p:cond evt="onNext" delay="0">
+                  <p:tgtEl>
+                    <p:sldTgt/>
+                  </p:tgtEl>
+                </p:cond>
+              </p:nextCondLst>
+            </p:seq>
+          </p:childTnLst>
+        </p:cTn>
+      </p:par>
+    </p:tnLst>
+  </p:timing>
 </p:sld>
 </file>
 
@@ -5996,6 +7733,78 @@
           </a:p>
         </p:txBody>
       </p:sp>
+      <p:pic>
+        <p:nvPicPr>
+          <p:cNvPr id="3" name="Picture 2" descr="A close up of a logo&#10;&#10;Description generated with high confidence">
+            <a:extLst>
+              <a:ext uri="{FF2B5EF4-FFF2-40B4-BE49-F238E27FC236}">
+                <a16:creationId xmlns:a16="http://schemas.microsoft.com/office/drawing/2014/main" id="{EF04E255-A4D3-490B-8FEB-4C39ADC7F9CB}"/>
+              </a:ext>
+            </a:extLst>
+          </p:cNvPr>
+          <p:cNvPicPr>
+            <a:picLocks noChangeAspect="1"/>
+          </p:cNvPicPr>
+          <p:nvPr/>
+        </p:nvPicPr>
+        <p:blipFill>
+          <a:blip r:embed="rId4">
+            <a:extLst>
+              <a:ext uri="{28A0092B-C50C-407E-A947-70E740481C1C}">
+                <a14:useLocalDpi xmlns:a14="http://schemas.microsoft.com/office/drawing/2010/main" val="0"/>
+              </a:ext>
+            </a:extLst>
+          </a:blip>
+          <a:stretch>
+            <a:fillRect/>
+          </a:stretch>
+        </p:blipFill>
+        <p:spPr>
+          <a:xfrm>
+            <a:off x="10196951" y="1607684"/>
+            <a:ext cx="1068929" cy="1068929"/>
+          </a:xfrm>
+          <a:prstGeom prst="rect">
+            <a:avLst/>
+          </a:prstGeom>
+        </p:spPr>
+      </p:pic>
+      <p:pic>
+        <p:nvPicPr>
+          <p:cNvPr id="7" name="Picture 6" descr="A picture containing object&#10;&#10;Description generated with very high confidence">
+            <a:extLst>
+              <a:ext uri="{FF2B5EF4-FFF2-40B4-BE49-F238E27FC236}">
+                <a16:creationId xmlns:a16="http://schemas.microsoft.com/office/drawing/2014/main" id="{66881163-CC20-43A4-8A92-7185A711021F}"/>
+              </a:ext>
+            </a:extLst>
+          </p:cNvPr>
+          <p:cNvPicPr>
+            <a:picLocks noChangeAspect="1"/>
+          </p:cNvPicPr>
+          <p:nvPr/>
+        </p:nvPicPr>
+        <p:blipFill>
+          <a:blip r:embed="rId5">
+            <a:extLst>
+              <a:ext uri="{28A0092B-C50C-407E-A947-70E740481C1C}">
+                <a14:useLocalDpi xmlns:a14="http://schemas.microsoft.com/office/drawing/2010/main" val="0"/>
+              </a:ext>
+            </a:extLst>
+          </a:blip>
+          <a:stretch>
+            <a:fillRect/>
+          </a:stretch>
+        </p:blipFill>
+        <p:spPr>
+          <a:xfrm>
+            <a:off x="8866449" y="1553984"/>
+            <a:ext cx="1122629" cy="1122629"/>
+          </a:xfrm>
+          <a:prstGeom prst="rect">
+            <a:avLst/>
+          </a:prstGeom>
+        </p:spPr>
+      </p:pic>
     </p:spTree>
     <p:extLst>
       <p:ext uri="{BB962C8B-B14F-4D97-AF65-F5344CB8AC3E}">
@@ -6006,6 +7815,657 @@
   <p:clrMapOvr>
     <a:masterClrMapping/>
   </p:clrMapOvr>
+  <mc:AlternateContent xmlns:mc="http://schemas.openxmlformats.org/markup-compatibility/2006">
+    <mc:Choice xmlns:p14="http://schemas.microsoft.com/office/powerpoint/2010/main" Requires="p14">
+      <p:transition spd="med" p14:dur="700">
+        <p:fade/>
+      </p:transition>
+    </mc:Choice>
+    <mc:Fallback>
+      <p:transition spd="med">
+        <p:fade/>
+      </p:transition>
+    </mc:Fallback>
+  </mc:AlternateContent>
+  <p:timing>
+    <p:tnLst>
+      <p:par>
+        <p:cTn id="1" dur="indefinite" restart="never" nodeType="tmRoot">
+          <p:childTnLst>
+            <p:seq concurrent="1" nextAc="seek">
+              <p:cTn id="2" dur="indefinite" nodeType="mainSeq">
+                <p:childTnLst>
+                  <p:par>
+                    <p:cTn id="3" fill="hold">
+                      <p:stCondLst>
+                        <p:cond delay="indefinite"/>
+                      </p:stCondLst>
+                      <p:childTnLst>
+                        <p:par>
+                          <p:cTn id="4" fill="hold">
+                            <p:stCondLst>
+                              <p:cond delay="0"/>
+                            </p:stCondLst>
+                            <p:childTnLst>
+                              <p:par>
+                                <p:cTn id="5" presetID="10" presetClass="entr" presetSubtype="0" fill="hold" nodeType="clickEffect">
+                                  <p:stCondLst>
+                                    <p:cond delay="0"/>
+                                  </p:stCondLst>
+                                  <p:childTnLst>
+                                    <p:set>
+                                      <p:cBhvr>
+                                        <p:cTn id="6" dur="1" fill="hold">
+                                          <p:stCondLst>
+                                            <p:cond delay="0"/>
+                                          </p:stCondLst>
+                                        </p:cTn>
+                                        <p:tgtEl>
+                                          <p:spTgt spid="11"/>
+                                        </p:tgtEl>
+                                        <p:attrNameLst>
+                                          <p:attrName>style.visibility</p:attrName>
+                                        </p:attrNameLst>
+                                      </p:cBhvr>
+                                      <p:to>
+                                        <p:strVal val="visible"/>
+                                      </p:to>
+                                    </p:set>
+                                    <p:animEffect transition="in" filter="fade">
+                                      <p:cBhvr>
+                                        <p:cTn id="7" dur="500"/>
+                                        <p:tgtEl>
+                                          <p:spTgt spid="11"/>
+                                        </p:tgtEl>
+                                      </p:cBhvr>
+                                    </p:animEffect>
+                                  </p:childTnLst>
+                                </p:cTn>
+                              </p:par>
+                            </p:childTnLst>
+                          </p:cTn>
+                        </p:par>
+                        <p:par>
+                          <p:cTn id="8" fill="hold">
+                            <p:stCondLst>
+                              <p:cond delay="500"/>
+                            </p:stCondLst>
+                            <p:childTnLst>
+                              <p:par>
+                                <p:cTn id="9" presetID="10" presetClass="entr" presetSubtype="0" fill="hold" nodeType="afterEffect">
+                                  <p:stCondLst>
+                                    <p:cond delay="0"/>
+                                  </p:stCondLst>
+                                  <p:childTnLst>
+                                    <p:set>
+                                      <p:cBhvr>
+                                        <p:cTn id="10" dur="1" fill="hold">
+                                          <p:stCondLst>
+                                            <p:cond delay="0"/>
+                                          </p:stCondLst>
+                                        </p:cTn>
+                                        <p:tgtEl>
+                                          <p:spTgt spid="4">
+                                            <p:txEl>
+                                              <p:pRg st="0" end="0"/>
+                                            </p:txEl>
+                                          </p:spTgt>
+                                        </p:tgtEl>
+                                        <p:attrNameLst>
+                                          <p:attrName>style.visibility</p:attrName>
+                                        </p:attrNameLst>
+                                      </p:cBhvr>
+                                      <p:to>
+                                        <p:strVal val="visible"/>
+                                      </p:to>
+                                    </p:set>
+                                    <p:animEffect transition="in" filter="fade">
+                                      <p:cBhvr>
+                                        <p:cTn id="11" dur="250"/>
+                                        <p:tgtEl>
+                                          <p:spTgt spid="4">
+                                            <p:txEl>
+                                              <p:pRg st="0" end="0"/>
+                                            </p:txEl>
+                                          </p:spTgt>
+                                        </p:tgtEl>
+                                      </p:cBhvr>
+                                    </p:animEffect>
+                                  </p:childTnLst>
+                                </p:cTn>
+                              </p:par>
+                            </p:childTnLst>
+                          </p:cTn>
+                        </p:par>
+                        <p:par>
+                          <p:cTn id="12" fill="hold">
+                            <p:stCondLst>
+                              <p:cond delay="750"/>
+                            </p:stCondLst>
+                            <p:childTnLst>
+                              <p:par>
+                                <p:cTn id="13" presetID="10" presetClass="entr" presetSubtype="0" fill="hold" nodeType="afterEffect">
+                                  <p:stCondLst>
+                                    <p:cond delay="0"/>
+                                  </p:stCondLst>
+                                  <p:childTnLst>
+                                    <p:set>
+                                      <p:cBhvr>
+                                        <p:cTn id="14" dur="1" fill="hold">
+                                          <p:stCondLst>
+                                            <p:cond delay="0"/>
+                                          </p:stCondLst>
+                                        </p:cTn>
+                                        <p:tgtEl>
+                                          <p:spTgt spid="4">
+                                            <p:txEl>
+                                              <p:pRg st="1" end="1"/>
+                                            </p:txEl>
+                                          </p:spTgt>
+                                        </p:tgtEl>
+                                        <p:attrNameLst>
+                                          <p:attrName>style.visibility</p:attrName>
+                                        </p:attrNameLst>
+                                      </p:cBhvr>
+                                      <p:to>
+                                        <p:strVal val="visible"/>
+                                      </p:to>
+                                    </p:set>
+                                    <p:animEffect transition="in" filter="fade">
+                                      <p:cBhvr>
+                                        <p:cTn id="15" dur="250"/>
+                                        <p:tgtEl>
+                                          <p:spTgt spid="4">
+                                            <p:txEl>
+                                              <p:pRg st="1" end="1"/>
+                                            </p:txEl>
+                                          </p:spTgt>
+                                        </p:tgtEl>
+                                      </p:cBhvr>
+                                    </p:animEffect>
+                                  </p:childTnLst>
+                                </p:cTn>
+                              </p:par>
+                            </p:childTnLst>
+                          </p:cTn>
+                        </p:par>
+                        <p:par>
+                          <p:cTn id="16" fill="hold">
+                            <p:stCondLst>
+                              <p:cond delay="1000"/>
+                            </p:stCondLst>
+                            <p:childTnLst>
+                              <p:par>
+                                <p:cTn id="17" presetID="10" presetClass="entr" presetSubtype="0" fill="hold" nodeType="afterEffect">
+                                  <p:stCondLst>
+                                    <p:cond delay="0"/>
+                                  </p:stCondLst>
+                                  <p:childTnLst>
+                                    <p:set>
+                                      <p:cBhvr>
+                                        <p:cTn id="18" dur="1" fill="hold">
+                                          <p:stCondLst>
+                                            <p:cond delay="0"/>
+                                          </p:stCondLst>
+                                        </p:cTn>
+                                        <p:tgtEl>
+                                          <p:spTgt spid="4">
+                                            <p:txEl>
+                                              <p:pRg st="2" end="2"/>
+                                            </p:txEl>
+                                          </p:spTgt>
+                                        </p:tgtEl>
+                                        <p:attrNameLst>
+                                          <p:attrName>style.visibility</p:attrName>
+                                        </p:attrNameLst>
+                                      </p:cBhvr>
+                                      <p:to>
+                                        <p:strVal val="visible"/>
+                                      </p:to>
+                                    </p:set>
+                                    <p:animEffect transition="in" filter="fade">
+                                      <p:cBhvr>
+                                        <p:cTn id="19" dur="250"/>
+                                        <p:tgtEl>
+                                          <p:spTgt spid="4">
+                                            <p:txEl>
+                                              <p:pRg st="2" end="2"/>
+                                            </p:txEl>
+                                          </p:spTgt>
+                                        </p:tgtEl>
+                                      </p:cBhvr>
+                                    </p:animEffect>
+                                  </p:childTnLst>
+                                </p:cTn>
+                              </p:par>
+                            </p:childTnLst>
+                          </p:cTn>
+                        </p:par>
+                        <p:par>
+                          <p:cTn id="20" fill="hold">
+                            <p:stCondLst>
+                              <p:cond delay="1250"/>
+                            </p:stCondLst>
+                            <p:childTnLst>
+                              <p:par>
+                                <p:cTn id="21" presetID="10" presetClass="entr" presetSubtype="0" fill="hold" nodeType="afterEffect">
+                                  <p:stCondLst>
+                                    <p:cond delay="0"/>
+                                  </p:stCondLst>
+                                  <p:childTnLst>
+                                    <p:set>
+                                      <p:cBhvr>
+                                        <p:cTn id="22" dur="1" fill="hold">
+                                          <p:stCondLst>
+                                            <p:cond delay="0"/>
+                                          </p:stCondLst>
+                                        </p:cTn>
+                                        <p:tgtEl>
+                                          <p:spTgt spid="4">
+                                            <p:txEl>
+                                              <p:pRg st="3" end="3"/>
+                                            </p:txEl>
+                                          </p:spTgt>
+                                        </p:tgtEl>
+                                        <p:attrNameLst>
+                                          <p:attrName>style.visibility</p:attrName>
+                                        </p:attrNameLst>
+                                      </p:cBhvr>
+                                      <p:to>
+                                        <p:strVal val="visible"/>
+                                      </p:to>
+                                    </p:set>
+                                    <p:animEffect transition="in" filter="fade">
+                                      <p:cBhvr>
+                                        <p:cTn id="23" dur="250"/>
+                                        <p:tgtEl>
+                                          <p:spTgt spid="4">
+                                            <p:txEl>
+                                              <p:pRg st="3" end="3"/>
+                                            </p:txEl>
+                                          </p:spTgt>
+                                        </p:tgtEl>
+                                      </p:cBhvr>
+                                    </p:animEffect>
+                                  </p:childTnLst>
+                                </p:cTn>
+                              </p:par>
+                            </p:childTnLst>
+                          </p:cTn>
+                        </p:par>
+                        <p:par>
+                          <p:cTn id="24" fill="hold">
+                            <p:stCondLst>
+                              <p:cond delay="1500"/>
+                            </p:stCondLst>
+                            <p:childTnLst>
+                              <p:par>
+                                <p:cTn id="25" presetID="10" presetClass="entr" presetSubtype="0" fill="hold" nodeType="afterEffect">
+                                  <p:stCondLst>
+                                    <p:cond delay="0"/>
+                                  </p:stCondLst>
+                                  <p:childTnLst>
+                                    <p:set>
+                                      <p:cBhvr>
+                                        <p:cTn id="26" dur="1" fill="hold">
+                                          <p:stCondLst>
+                                            <p:cond delay="0"/>
+                                          </p:stCondLst>
+                                        </p:cTn>
+                                        <p:tgtEl>
+                                          <p:spTgt spid="4">
+                                            <p:txEl>
+                                              <p:pRg st="4" end="4"/>
+                                            </p:txEl>
+                                          </p:spTgt>
+                                        </p:tgtEl>
+                                        <p:attrNameLst>
+                                          <p:attrName>style.visibility</p:attrName>
+                                        </p:attrNameLst>
+                                      </p:cBhvr>
+                                      <p:to>
+                                        <p:strVal val="visible"/>
+                                      </p:to>
+                                    </p:set>
+                                    <p:animEffect transition="in" filter="fade">
+                                      <p:cBhvr>
+                                        <p:cTn id="27" dur="250"/>
+                                        <p:tgtEl>
+                                          <p:spTgt spid="4">
+                                            <p:txEl>
+                                              <p:pRg st="4" end="4"/>
+                                            </p:txEl>
+                                          </p:spTgt>
+                                        </p:tgtEl>
+                                      </p:cBhvr>
+                                    </p:animEffect>
+                                  </p:childTnLst>
+                                </p:cTn>
+                              </p:par>
+                            </p:childTnLst>
+                          </p:cTn>
+                        </p:par>
+                        <p:par>
+                          <p:cTn id="28" fill="hold">
+                            <p:stCondLst>
+                              <p:cond delay="1750"/>
+                            </p:stCondLst>
+                            <p:childTnLst>
+                              <p:par>
+                                <p:cTn id="29" presetID="10" presetClass="entr" presetSubtype="0" fill="hold" nodeType="afterEffect">
+                                  <p:stCondLst>
+                                    <p:cond delay="0"/>
+                                  </p:stCondLst>
+                                  <p:childTnLst>
+                                    <p:set>
+                                      <p:cBhvr>
+                                        <p:cTn id="30" dur="1" fill="hold">
+                                          <p:stCondLst>
+                                            <p:cond delay="0"/>
+                                          </p:stCondLst>
+                                        </p:cTn>
+                                        <p:tgtEl>
+                                          <p:spTgt spid="4">
+                                            <p:txEl>
+                                              <p:pRg st="5" end="5"/>
+                                            </p:txEl>
+                                          </p:spTgt>
+                                        </p:tgtEl>
+                                        <p:attrNameLst>
+                                          <p:attrName>style.visibility</p:attrName>
+                                        </p:attrNameLst>
+                                      </p:cBhvr>
+                                      <p:to>
+                                        <p:strVal val="visible"/>
+                                      </p:to>
+                                    </p:set>
+                                    <p:animEffect transition="in" filter="fade">
+                                      <p:cBhvr>
+                                        <p:cTn id="31" dur="250"/>
+                                        <p:tgtEl>
+                                          <p:spTgt spid="4">
+                                            <p:txEl>
+                                              <p:pRg st="5" end="5"/>
+                                            </p:txEl>
+                                          </p:spTgt>
+                                        </p:tgtEl>
+                                      </p:cBhvr>
+                                    </p:animEffect>
+                                  </p:childTnLst>
+                                </p:cTn>
+                              </p:par>
+                            </p:childTnLst>
+                          </p:cTn>
+                        </p:par>
+                        <p:par>
+                          <p:cTn id="32" fill="hold">
+                            <p:stCondLst>
+                              <p:cond delay="2000"/>
+                            </p:stCondLst>
+                            <p:childTnLst>
+                              <p:par>
+                                <p:cTn id="33" presetID="10" presetClass="entr" presetSubtype="0" fill="hold" nodeType="afterEffect">
+                                  <p:stCondLst>
+                                    <p:cond delay="0"/>
+                                  </p:stCondLst>
+                                  <p:childTnLst>
+                                    <p:set>
+                                      <p:cBhvr>
+                                        <p:cTn id="34" dur="1" fill="hold">
+                                          <p:stCondLst>
+                                            <p:cond delay="0"/>
+                                          </p:stCondLst>
+                                        </p:cTn>
+                                        <p:tgtEl>
+                                          <p:spTgt spid="4">
+                                            <p:txEl>
+                                              <p:pRg st="6" end="6"/>
+                                            </p:txEl>
+                                          </p:spTgt>
+                                        </p:tgtEl>
+                                        <p:attrNameLst>
+                                          <p:attrName>style.visibility</p:attrName>
+                                        </p:attrNameLst>
+                                      </p:cBhvr>
+                                      <p:to>
+                                        <p:strVal val="visible"/>
+                                      </p:to>
+                                    </p:set>
+                                    <p:animEffect transition="in" filter="fade">
+                                      <p:cBhvr>
+                                        <p:cTn id="35" dur="250"/>
+                                        <p:tgtEl>
+                                          <p:spTgt spid="4">
+                                            <p:txEl>
+                                              <p:pRg st="6" end="6"/>
+                                            </p:txEl>
+                                          </p:spTgt>
+                                        </p:tgtEl>
+                                      </p:cBhvr>
+                                    </p:animEffect>
+                                  </p:childTnLst>
+                                </p:cTn>
+                              </p:par>
+                            </p:childTnLst>
+                          </p:cTn>
+                        </p:par>
+                        <p:par>
+                          <p:cTn id="36" fill="hold">
+                            <p:stCondLst>
+                              <p:cond delay="2250"/>
+                            </p:stCondLst>
+                            <p:childTnLst>
+                              <p:par>
+                                <p:cTn id="37" presetID="10" presetClass="entr" presetSubtype="0" fill="hold" nodeType="afterEffect">
+                                  <p:stCondLst>
+                                    <p:cond delay="0"/>
+                                  </p:stCondLst>
+                                  <p:childTnLst>
+                                    <p:set>
+                                      <p:cBhvr>
+                                        <p:cTn id="38" dur="1" fill="hold">
+                                          <p:stCondLst>
+                                            <p:cond delay="0"/>
+                                          </p:stCondLst>
+                                        </p:cTn>
+                                        <p:tgtEl>
+                                          <p:spTgt spid="4">
+                                            <p:txEl>
+                                              <p:pRg st="7" end="7"/>
+                                            </p:txEl>
+                                          </p:spTgt>
+                                        </p:tgtEl>
+                                        <p:attrNameLst>
+                                          <p:attrName>style.visibility</p:attrName>
+                                        </p:attrNameLst>
+                                      </p:cBhvr>
+                                      <p:to>
+                                        <p:strVal val="visible"/>
+                                      </p:to>
+                                    </p:set>
+                                    <p:animEffect transition="in" filter="fade">
+                                      <p:cBhvr>
+                                        <p:cTn id="39" dur="250"/>
+                                        <p:tgtEl>
+                                          <p:spTgt spid="4">
+                                            <p:txEl>
+                                              <p:pRg st="7" end="7"/>
+                                            </p:txEl>
+                                          </p:spTgt>
+                                        </p:tgtEl>
+                                      </p:cBhvr>
+                                    </p:animEffect>
+                                  </p:childTnLst>
+                                </p:cTn>
+                              </p:par>
+                            </p:childTnLst>
+                          </p:cTn>
+                        </p:par>
+                        <p:par>
+                          <p:cTn id="40" fill="hold">
+                            <p:stCondLst>
+                              <p:cond delay="2500"/>
+                            </p:stCondLst>
+                            <p:childTnLst>
+                              <p:par>
+                                <p:cTn id="41" presetID="10" presetClass="entr" presetSubtype="0" fill="hold" nodeType="afterEffect">
+                                  <p:stCondLst>
+                                    <p:cond delay="0"/>
+                                  </p:stCondLst>
+                                  <p:childTnLst>
+                                    <p:set>
+                                      <p:cBhvr>
+                                        <p:cTn id="42" dur="1" fill="hold">
+                                          <p:stCondLst>
+                                            <p:cond delay="0"/>
+                                          </p:stCondLst>
+                                        </p:cTn>
+                                        <p:tgtEl>
+                                          <p:spTgt spid="4">
+                                            <p:txEl>
+                                              <p:pRg st="8" end="8"/>
+                                            </p:txEl>
+                                          </p:spTgt>
+                                        </p:tgtEl>
+                                        <p:attrNameLst>
+                                          <p:attrName>style.visibility</p:attrName>
+                                        </p:attrNameLst>
+                                      </p:cBhvr>
+                                      <p:to>
+                                        <p:strVal val="visible"/>
+                                      </p:to>
+                                    </p:set>
+                                    <p:animEffect transition="in" filter="fade">
+                                      <p:cBhvr>
+                                        <p:cTn id="43" dur="250"/>
+                                        <p:tgtEl>
+                                          <p:spTgt spid="4">
+                                            <p:txEl>
+                                              <p:pRg st="8" end="8"/>
+                                            </p:txEl>
+                                          </p:spTgt>
+                                        </p:tgtEl>
+                                      </p:cBhvr>
+                                    </p:animEffect>
+                                  </p:childTnLst>
+                                </p:cTn>
+                              </p:par>
+                            </p:childTnLst>
+                          </p:cTn>
+                        </p:par>
+                        <p:par>
+                          <p:cTn id="44" fill="hold">
+                            <p:stCondLst>
+                              <p:cond delay="2750"/>
+                            </p:stCondLst>
+                            <p:childTnLst>
+                              <p:par>
+                                <p:cTn id="45" presetID="10" presetClass="entr" presetSubtype="0" fill="hold" nodeType="afterEffect">
+                                  <p:stCondLst>
+                                    <p:cond delay="0"/>
+                                  </p:stCondLst>
+                                  <p:childTnLst>
+                                    <p:set>
+                                      <p:cBhvr>
+                                        <p:cTn id="46" dur="1" fill="hold">
+                                          <p:stCondLst>
+                                            <p:cond delay="0"/>
+                                          </p:stCondLst>
+                                        </p:cTn>
+                                        <p:tgtEl>
+                                          <p:spTgt spid="7"/>
+                                        </p:tgtEl>
+                                        <p:attrNameLst>
+                                          <p:attrName>style.visibility</p:attrName>
+                                        </p:attrNameLst>
+                                      </p:cBhvr>
+                                      <p:to>
+                                        <p:strVal val="visible"/>
+                                      </p:to>
+                                    </p:set>
+                                    <p:animEffect transition="in" filter="fade">
+                                      <p:cBhvr>
+                                        <p:cTn id="47" dur="500"/>
+                                        <p:tgtEl>
+                                          <p:spTgt spid="7"/>
+                                        </p:tgtEl>
+                                      </p:cBhvr>
+                                    </p:animEffect>
+                                  </p:childTnLst>
+                                </p:cTn>
+                              </p:par>
+                            </p:childTnLst>
+                          </p:cTn>
+                        </p:par>
+                        <p:par>
+                          <p:cTn id="48" fill="hold">
+                            <p:stCondLst>
+                              <p:cond delay="3250"/>
+                            </p:stCondLst>
+                            <p:childTnLst>
+                              <p:par>
+                                <p:cTn id="49" presetID="10" presetClass="entr" presetSubtype="0" fill="hold" nodeType="afterEffect">
+                                  <p:stCondLst>
+                                    <p:cond delay="0"/>
+                                  </p:stCondLst>
+                                  <p:childTnLst>
+                                    <p:set>
+                                      <p:cBhvr>
+                                        <p:cTn id="50" dur="1" fill="hold">
+                                          <p:stCondLst>
+                                            <p:cond delay="0"/>
+                                          </p:stCondLst>
+                                        </p:cTn>
+                                        <p:tgtEl>
+                                          <p:spTgt spid="3"/>
+                                        </p:tgtEl>
+                                        <p:attrNameLst>
+                                          <p:attrName>style.visibility</p:attrName>
+                                        </p:attrNameLst>
+                                      </p:cBhvr>
+                                      <p:to>
+                                        <p:strVal val="visible"/>
+                                      </p:to>
+                                    </p:set>
+                                    <p:animEffect transition="in" filter="fade">
+                                      <p:cBhvr>
+                                        <p:cTn id="51" dur="500"/>
+                                        <p:tgtEl>
+                                          <p:spTgt spid="3"/>
+                                        </p:tgtEl>
+                                      </p:cBhvr>
+                                    </p:animEffect>
+                                  </p:childTnLst>
+                                </p:cTn>
+                              </p:par>
+                            </p:childTnLst>
+                          </p:cTn>
+                        </p:par>
+                      </p:childTnLst>
+                    </p:cTn>
+                  </p:par>
+                </p:childTnLst>
+              </p:cTn>
+              <p:prevCondLst>
+                <p:cond evt="onPrev" delay="0">
+                  <p:tgtEl>
+                    <p:sldTgt/>
+                  </p:tgtEl>
+                </p:cond>
+              </p:prevCondLst>
+              <p:nextCondLst>
+                <p:cond evt="onNext" delay="0">
+                  <p:tgtEl>
+                    <p:sldTgt/>
+                  </p:tgtEl>
+                </p:cond>
+              </p:nextCondLst>
+            </p:seq>
+          </p:childTnLst>
+        </p:cTn>
+      </p:par>
+    </p:tnLst>
+  </p:timing>
 </p:sld>
 </file>
 

--- a/Documents/Personagens.pptx
+++ b/Documents/Personagens.pptx
@@ -3902,13 +3902,13 @@
   <p:clrMapOvr>
     <a:masterClrMapping/>
   </p:clrMapOvr>
-  <mc:AlternateContent xmlns:mc="http://schemas.openxmlformats.org/markup-compatibility/2006">
-    <mc:Choice xmlns:p14="http://schemas.microsoft.com/office/powerpoint/2010/main" Requires="p14">
+  <mc:AlternateContent xmlns:mc="http://schemas.openxmlformats.org/markup-compatibility/2006" xmlns:p14="http://schemas.microsoft.com/office/powerpoint/2010/main">
+    <mc:Choice Requires="p14">
       <p:transition spd="med" p14:dur="700">
         <p:fade/>
       </p:transition>
     </mc:Choice>
-    <mc:Fallback>
+    <mc:Fallback xmlns="">
       <p:transition spd="med">
         <p:fade/>
       </p:transition>
@@ -4712,13 +4712,13 @@
   <p:clrMapOvr>
     <a:masterClrMapping/>
   </p:clrMapOvr>
-  <mc:AlternateContent xmlns:mc="http://schemas.openxmlformats.org/markup-compatibility/2006">
-    <mc:Choice xmlns:p14="http://schemas.microsoft.com/office/powerpoint/2010/main" Requires="p14">
+  <mc:AlternateContent xmlns:mc="http://schemas.openxmlformats.org/markup-compatibility/2006" xmlns:p14="http://schemas.microsoft.com/office/powerpoint/2010/main">
+    <mc:Choice Requires="p14">
       <p:transition spd="med" p14:dur="700">
         <p:fade/>
       </p:transition>
     </mc:Choice>
-    <mc:Fallback>
+    <mc:Fallback xmlns="">
       <p:transition spd="med">
         <p:fade/>
       </p:transition>
@@ -4817,6 +4817,526 @@
                                         <p:cTn id="11" dur="500"/>
                                         <p:tgtEl>
                                           <p:spTgt spid="10"/>
+                                        </p:tgtEl>
+                                      </p:cBhvr>
+                                    </p:animEffect>
+                                  </p:childTnLst>
+                                </p:cTn>
+                              </p:par>
+                            </p:childTnLst>
+                          </p:cTn>
+                        </p:par>
+                        <p:par>
+                          <p:cTn id="12" fill="hold">
+                            <p:stCondLst>
+                              <p:cond delay="1000"/>
+                            </p:stCondLst>
+                            <p:childTnLst>
+                              <p:par>
+                                <p:cTn id="13" presetID="10" presetClass="entr" presetSubtype="0" fill="hold" nodeType="afterEffect">
+                                  <p:stCondLst>
+                                    <p:cond delay="0"/>
+                                  </p:stCondLst>
+                                  <p:childTnLst>
+                                    <p:set>
+                                      <p:cBhvr>
+                                        <p:cTn id="14" dur="1" fill="hold">
+                                          <p:stCondLst>
+                                            <p:cond delay="0"/>
+                                          </p:stCondLst>
+                                        </p:cTn>
+                                        <p:tgtEl>
+                                          <p:spTgt spid="10">
+                                            <p:txEl>
+                                              <p:pRg st="0" end="0"/>
+                                            </p:txEl>
+                                          </p:spTgt>
+                                        </p:tgtEl>
+                                        <p:attrNameLst>
+                                          <p:attrName>style.visibility</p:attrName>
+                                        </p:attrNameLst>
+                                      </p:cBhvr>
+                                      <p:to>
+                                        <p:strVal val="visible"/>
+                                      </p:to>
+                                    </p:set>
+                                    <p:animEffect transition="in" filter="fade">
+                                      <p:cBhvr>
+                                        <p:cTn id="15" dur="500"/>
+                                        <p:tgtEl>
+                                          <p:spTgt spid="10">
+                                            <p:txEl>
+                                              <p:pRg st="0" end="0"/>
+                                            </p:txEl>
+                                          </p:spTgt>
+                                        </p:tgtEl>
+                                      </p:cBhvr>
+                                    </p:animEffect>
+                                  </p:childTnLst>
+                                </p:cTn>
+                              </p:par>
+                            </p:childTnLst>
+                          </p:cTn>
+                        </p:par>
+                        <p:par>
+                          <p:cTn id="16" fill="hold">
+                            <p:stCondLst>
+                              <p:cond delay="1500"/>
+                            </p:stCondLst>
+                            <p:childTnLst>
+                              <p:par>
+                                <p:cTn id="17" presetID="10" presetClass="entr" presetSubtype="0" fill="hold" nodeType="afterEffect">
+                                  <p:stCondLst>
+                                    <p:cond delay="0"/>
+                                  </p:stCondLst>
+                                  <p:childTnLst>
+                                    <p:set>
+                                      <p:cBhvr>
+                                        <p:cTn id="18" dur="1" fill="hold">
+                                          <p:stCondLst>
+                                            <p:cond delay="0"/>
+                                          </p:stCondLst>
+                                        </p:cTn>
+                                        <p:tgtEl>
+                                          <p:spTgt spid="10">
+                                            <p:txEl>
+                                              <p:pRg st="1" end="1"/>
+                                            </p:txEl>
+                                          </p:spTgt>
+                                        </p:tgtEl>
+                                        <p:attrNameLst>
+                                          <p:attrName>style.visibility</p:attrName>
+                                        </p:attrNameLst>
+                                      </p:cBhvr>
+                                      <p:to>
+                                        <p:strVal val="visible"/>
+                                      </p:to>
+                                    </p:set>
+                                    <p:animEffect transition="in" filter="fade">
+                                      <p:cBhvr>
+                                        <p:cTn id="19" dur="500"/>
+                                        <p:tgtEl>
+                                          <p:spTgt spid="10">
+                                            <p:txEl>
+                                              <p:pRg st="1" end="1"/>
+                                            </p:txEl>
+                                          </p:spTgt>
+                                        </p:tgtEl>
+                                      </p:cBhvr>
+                                    </p:animEffect>
+                                  </p:childTnLst>
+                                </p:cTn>
+                              </p:par>
+                            </p:childTnLst>
+                          </p:cTn>
+                        </p:par>
+                        <p:par>
+                          <p:cTn id="20" fill="hold">
+                            <p:stCondLst>
+                              <p:cond delay="2000"/>
+                            </p:stCondLst>
+                            <p:childTnLst>
+                              <p:par>
+                                <p:cTn id="21" presetID="10" presetClass="entr" presetSubtype="0" fill="hold" nodeType="afterEffect">
+                                  <p:stCondLst>
+                                    <p:cond delay="0"/>
+                                  </p:stCondLst>
+                                  <p:childTnLst>
+                                    <p:set>
+                                      <p:cBhvr>
+                                        <p:cTn id="22" dur="1" fill="hold">
+                                          <p:stCondLst>
+                                            <p:cond delay="0"/>
+                                          </p:stCondLst>
+                                        </p:cTn>
+                                        <p:tgtEl>
+                                          <p:spTgt spid="10">
+                                            <p:txEl>
+                                              <p:pRg st="2" end="2"/>
+                                            </p:txEl>
+                                          </p:spTgt>
+                                        </p:tgtEl>
+                                        <p:attrNameLst>
+                                          <p:attrName>style.visibility</p:attrName>
+                                        </p:attrNameLst>
+                                      </p:cBhvr>
+                                      <p:to>
+                                        <p:strVal val="visible"/>
+                                      </p:to>
+                                    </p:set>
+                                    <p:animEffect transition="in" filter="fade">
+                                      <p:cBhvr>
+                                        <p:cTn id="23" dur="500"/>
+                                        <p:tgtEl>
+                                          <p:spTgt spid="10">
+                                            <p:txEl>
+                                              <p:pRg st="2" end="2"/>
+                                            </p:txEl>
+                                          </p:spTgt>
+                                        </p:tgtEl>
+                                      </p:cBhvr>
+                                    </p:animEffect>
+                                  </p:childTnLst>
+                                </p:cTn>
+                              </p:par>
+                            </p:childTnLst>
+                          </p:cTn>
+                        </p:par>
+                        <p:par>
+                          <p:cTn id="24" fill="hold">
+                            <p:stCondLst>
+                              <p:cond delay="2500"/>
+                            </p:stCondLst>
+                            <p:childTnLst>
+                              <p:par>
+                                <p:cTn id="25" presetID="10" presetClass="entr" presetSubtype="0" fill="hold" nodeType="afterEffect">
+                                  <p:stCondLst>
+                                    <p:cond delay="0"/>
+                                  </p:stCondLst>
+                                  <p:childTnLst>
+                                    <p:set>
+                                      <p:cBhvr>
+                                        <p:cTn id="26" dur="1" fill="hold">
+                                          <p:stCondLst>
+                                            <p:cond delay="0"/>
+                                          </p:stCondLst>
+                                        </p:cTn>
+                                        <p:tgtEl>
+                                          <p:spTgt spid="10">
+                                            <p:txEl>
+                                              <p:pRg st="3" end="3"/>
+                                            </p:txEl>
+                                          </p:spTgt>
+                                        </p:tgtEl>
+                                        <p:attrNameLst>
+                                          <p:attrName>style.visibility</p:attrName>
+                                        </p:attrNameLst>
+                                      </p:cBhvr>
+                                      <p:to>
+                                        <p:strVal val="visible"/>
+                                      </p:to>
+                                    </p:set>
+                                    <p:animEffect transition="in" filter="fade">
+                                      <p:cBhvr>
+                                        <p:cTn id="27" dur="500"/>
+                                        <p:tgtEl>
+                                          <p:spTgt spid="10">
+                                            <p:txEl>
+                                              <p:pRg st="3" end="3"/>
+                                            </p:txEl>
+                                          </p:spTgt>
+                                        </p:tgtEl>
+                                      </p:cBhvr>
+                                    </p:animEffect>
+                                  </p:childTnLst>
+                                </p:cTn>
+                              </p:par>
+                            </p:childTnLst>
+                          </p:cTn>
+                        </p:par>
+                        <p:par>
+                          <p:cTn id="28" fill="hold">
+                            <p:stCondLst>
+                              <p:cond delay="3000"/>
+                            </p:stCondLst>
+                            <p:childTnLst>
+                              <p:par>
+                                <p:cTn id="29" presetID="10" presetClass="entr" presetSubtype="0" fill="hold" nodeType="afterEffect">
+                                  <p:stCondLst>
+                                    <p:cond delay="0"/>
+                                  </p:stCondLst>
+                                  <p:childTnLst>
+                                    <p:set>
+                                      <p:cBhvr>
+                                        <p:cTn id="30" dur="1" fill="hold">
+                                          <p:stCondLst>
+                                            <p:cond delay="0"/>
+                                          </p:stCondLst>
+                                        </p:cTn>
+                                        <p:tgtEl>
+                                          <p:spTgt spid="10">
+                                            <p:txEl>
+                                              <p:pRg st="4" end="4"/>
+                                            </p:txEl>
+                                          </p:spTgt>
+                                        </p:tgtEl>
+                                        <p:attrNameLst>
+                                          <p:attrName>style.visibility</p:attrName>
+                                        </p:attrNameLst>
+                                      </p:cBhvr>
+                                      <p:to>
+                                        <p:strVal val="visible"/>
+                                      </p:to>
+                                    </p:set>
+                                    <p:animEffect transition="in" filter="fade">
+                                      <p:cBhvr>
+                                        <p:cTn id="31" dur="500"/>
+                                        <p:tgtEl>
+                                          <p:spTgt spid="10">
+                                            <p:txEl>
+                                              <p:pRg st="4" end="4"/>
+                                            </p:txEl>
+                                          </p:spTgt>
+                                        </p:tgtEl>
+                                      </p:cBhvr>
+                                    </p:animEffect>
+                                  </p:childTnLst>
+                                </p:cTn>
+                              </p:par>
+                            </p:childTnLst>
+                          </p:cTn>
+                        </p:par>
+                        <p:par>
+                          <p:cTn id="32" fill="hold">
+                            <p:stCondLst>
+                              <p:cond delay="3500"/>
+                            </p:stCondLst>
+                            <p:childTnLst>
+                              <p:par>
+                                <p:cTn id="33" presetID="10" presetClass="entr" presetSubtype="0" fill="hold" nodeType="afterEffect">
+                                  <p:stCondLst>
+                                    <p:cond delay="0"/>
+                                  </p:stCondLst>
+                                  <p:childTnLst>
+                                    <p:set>
+                                      <p:cBhvr>
+                                        <p:cTn id="34" dur="1" fill="hold">
+                                          <p:stCondLst>
+                                            <p:cond delay="0"/>
+                                          </p:stCondLst>
+                                        </p:cTn>
+                                        <p:tgtEl>
+                                          <p:spTgt spid="10">
+                                            <p:txEl>
+                                              <p:pRg st="5" end="5"/>
+                                            </p:txEl>
+                                          </p:spTgt>
+                                        </p:tgtEl>
+                                        <p:attrNameLst>
+                                          <p:attrName>style.visibility</p:attrName>
+                                        </p:attrNameLst>
+                                      </p:cBhvr>
+                                      <p:to>
+                                        <p:strVal val="visible"/>
+                                      </p:to>
+                                    </p:set>
+                                    <p:animEffect transition="in" filter="fade">
+                                      <p:cBhvr>
+                                        <p:cTn id="35" dur="500"/>
+                                        <p:tgtEl>
+                                          <p:spTgt spid="10">
+                                            <p:txEl>
+                                              <p:pRg st="5" end="5"/>
+                                            </p:txEl>
+                                          </p:spTgt>
+                                        </p:tgtEl>
+                                      </p:cBhvr>
+                                    </p:animEffect>
+                                  </p:childTnLst>
+                                </p:cTn>
+                              </p:par>
+                            </p:childTnLst>
+                          </p:cTn>
+                        </p:par>
+                        <p:par>
+                          <p:cTn id="36" fill="hold">
+                            <p:stCondLst>
+                              <p:cond delay="4000"/>
+                            </p:stCondLst>
+                            <p:childTnLst>
+                              <p:par>
+                                <p:cTn id="37" presetID="10" presetClass="entr" presetSubtype="0" fill="hold" nodeType="afterEffect">
+                                  <p:stCondLst>
+                                    <p:cond delay="0"/>
+                                  </p:stCondLst>
+                                  <p:childTnLst>
+                                    <p:set>
+                                      <p:cBhvr>
+                                        <p:cTn id="38" dur="1" fill="hold">
+                                          <p:stCondLst>
+                                            <p:cond delay="0"/>
+                                          </p:stCondLst>
+                                        </p:cTn>
+                                        <p:tgtEl>
+                                          <p:spTgt spid="10">
+                                            <p:txEl>
+                                              <p:pRg st="6" end="6"/>
+                                            </p:txEl>
+                                          </p:spTgt>
+                                        </p:tgtEl>
+                                        <p:attrNameLst>
+                                          <p:attrName>style.visibility</p:attrName>
+                                        </p:attrNameLst>
+                                      </p:cBhvr>
+                                      <p:to>
+                                        <p:strVal val="visible"/>
+                                      </p:to>
+                                    </p:set>
+                                    <p:animEffect transition="in" filter="fade">
+                                      <p:cBhvr>
+                                        <p:cTn id="39" dur="500"/>
+                                        <p:tgtEl>
+                                          <p:spTgt spid="10">
+                                            <p:txEl>
+                                              <p:pRg st="6" end="6"/>
+                                            </p:txEl>
+                                          </p:spTgt>
+                                        </p:tgtEl>
+                                      </p:cBhvr>
+                                    </p:animEffect>
+                                  </p:childTnLst>
+                                </p:cTn>
+                              </p:par>
+                            </p:childTnLst>
+                          </p:cTn>
+                        </p:par>
+                        <p:par>
+                          <p:cTn id="40" fill="hold">
+                            <p:stCondLst>
+                              <p:cond delay="4500"/>
+                            </p:stCondLst>
+                            <p:childTnLst>
+                              <p:par>
+                                <p:cTn id="41" presetID="10" presetClass="entr" presetSubtype="0" fill="hold" nodeType="afterEffect">
+                                  <p:stCondLst>
+                                    <p:cond delay="0"/>
+                                  </p:stCondLst>
+                                  <p:childTnLst>
+                                    <p:set>
+                                      <p:cBhvr>
+                                        <p:cTn id="42" dur="1" fill="hold">
+                                          <p:stCondLst>
+                                            <p:cond delay="0"/>
+                                          </p:stCondLst>
+                                        </p:cTn>
+                                        <p:tgtEl>
+                                          <p:spTgt spid="10">
+                                            <p:txEl>
+                                              <p:pRg st="7" end="7"/>
+                                            </p:txEl>
+                                          </p:spTgt>
+                                        </p:tgtEl>
+                                        <p:attrNameLst>
+                                          <p:attrName>style.visibility</p:attrName>
+                                        </p:attrNameLst>
+                                      </p:cBhvr>
+                                      <p:to>
+                                        <p:strVal val="visible"/>
+                                      </p:to>
+                                    </p:set>
+                                    <p:animEffect transition="in" filter="fade">
+                                      <p:cBhvr>
+                                        <p:cTn id="43" dur="500"/>
+                                        <p:tgtEl>
+                                          <p:spTgt spid="10">
+                                            <p:txEl>
+                                              <p:pRg st="7" end="7"/>
+                                            </p:txEl>
+                                          </p:spTgt>
+                                        </p:tgtEl>
+                                      </p:cBhvr>
+                                    </p:animEffect>
+                                  </p:childTnLst>
+                                </p:cTn>
+                              </p:par>
+                            </p:childTnLst>
+                          </p:cTn>
+                        </p:par>
+                        <p:par>
+                          <p:cTn id="44" fill="hold">
+                            <p:stCondLst>
+                              <p:cond delay="5000"/>
+                            </p:stCondLst>
+                            <p:childTnLst>
+                              <p:par>
+                                <p:cTn id="45" presetID="10" presetClass="entr" presetSubtype="0" fill="hold" nodeType="afterEffect">
+                                  <p:stCondLst>
+                                    <p:cond delay="0"/>
+                                  </p:stCondLst>
+                                  <p:childTnLst>
+                                    <p:set>
+                                      <p:cBhvr>
+                                        <p:cTn id="46" dur="1" fill="hold">
+                                          <p:stCondLst>
+                                            <p:cond delay="0"/>
+                                          </p:stCondLst>
+                                        </p:cTn>
+                                        <p:tgtEl>
+                                          <p:spTgt spid="10">
+                                            <p:txEl>
+                                              <p:pRg st="8" end="8"/>
+                                            </p:txEl>
+                                          </p:spTgt>
+                                        </p:tgtEl>
+                                        <p:attrNameLst>
+                                          <p:attrName>style.visibility</p:attrName>
+                                        </p:attrNameLst>
+                                      </p:cBhvr>
+                                      <p:to>
+                                        <p:strVal val="visible"/>
+                                      </p:to>
+                                    </p:set>
+                                    <p:animEffect transition="in" filter="fade">
+                                      <p:cBhvr>
+                                        <p:cTn id="47" dur="500"/>
+                                        <p:tgtEl>
+                                          <p:spTgt spid="10">
+                                            <p:txEl>
+                                              <p:pRg st="8" end="8"/>
+                                            </p:txEl>
+                                          </p:spTgt>
+                                        </p:tgtEl>
+                                      </p:cBhvr>
+                                    </p:animEffect>
+                                  </p:childTnLst>
+                                </p:cTn>
+                              </p:par>
+                            </p:childTnLst>
+                          </p:cTn>
+                        </p:par>
+                        <p:par>
+                          <p:cTn id="48" fill="hold">
+                            <p:stCondLst>
+                              <p:cond delay="5500"/>
+                            </p:stCondLst>
+                            <p:childTnLst>
+                              <p:par>
+                                <p:cTn id="49" presetID="10" presetClass="entr" presetSubtype="0" fill="hold" nodeType="afterEffect">
+                                  <p:stCondLst>
+                                    <p:cond delay="0"/>
+                                  </p:stCondLst>
+                                  <p:childTnLst>
+                                    <p:set>
+                                      <p:cBhvr>
+                                        <p:cTn id="50" dur="1" fill="hold">
+                                          <p:stCondLst>
+                                            <p:cond delay="0"/>
+                                          </p:stCondLst>
+                                        </p:cTn>
+                                        <p:tgtEl>
+                                          <p:spTgt spid="10">
+                                            <p:txEl>
+                                              <p:pRg st="9" end="9"/>
+                                            </p:txEl>
+                                          </p:spTgt>
+                                        </p:tgtEl>
+                                        <p:attrNameLst>
+                                          <p:attrName>style.visibility</p:attrName>
+                                        </p:attrNameLst>
+                                      </p:cBhvr>
+                                      <p:to>
+                                        <p:strVal val="visible"/>
+                                      </p:to>
+                                    </p:set>
+                                    <p:animEffect transition="in" filter="fade">
+                                      <p:cBhvr>
+                                        <p:cTn id="51" dur="500"/>
+                                        <p:tgtEl>
+                                          <p:spTgt spid="10">
+                                            <p:txEl>
+                                              <p:pRg st="9" end="9"/>
+                                            </p:txEl>
+                                          </p:spTgt>
                                         </p:tgtEl>
                                       </p:cBhvr>
                                     </p:animEffect>
@@ -5687,13 +6207,13 @@
   <p:clrMapOvr>
     <a:masterClrMapping/>
   </p:clrMapOvr>
-  <mc:AlternateContent xmlns:mc="http://schemas.openxmlformats.org/markup-compatibility/2006">
-    <mc:Choice xmlns:p14="http://schemas.microsoft.com/office/powerpoint/2010/main" Requires="p14">
+  <mc:AlternateContent xmlns:mc="http://schemas.openxmlformats.org/markup-compatibility/2006" xmlns:p14="http://schemas.microsoft.com/office/powerpoint/2010/main">
+    <mc:Choice Requires="p14">
       <p:transition spd="med" p14:dur="700">
         <p:fade/>
       </p:transition>
     </mc:Choice>
-    <mc:Fallback>
+    <mc:Fallback xmlns="">
       <p:transition spd="med">
         <p:fade/>
       </p:transition>
@@ -6833,13 +7353,13 @@
   <p:clrMapOvr>
     <a:masterClrMapping/>
   </p:clrMapOvr>
-  <mc:AlternateContent xmlns:mc="http://schemas.openxmlformats.org/markup-compatibility/2006">
-    <mc:Choice xmlns:p14="http://schemas.microsoft.com/office/powerpoint/2010/main" Requires="p14">
+  <mc:AlternateContent xmlns:mc="http://schemas.openxmlformats.org/markup-compatibility/2006" xmlns:p14="http://schemas.microsoft.com/office/powerpoint/2010/main">
+    <mc:Choice Requires="p14">
       <p:transition spd="med" p14:dur="700">
         <p:fade/>
       </p:transition>
     </mc:Choice>
-    <mc:Fallback>
+    <mc:Fallback xmlns="">
       <p:transition spd="med">
         <p:fade/>
       </p:transition>
@@ -7815,13 +8335,13 @@
   <p:clrMapOvr>
     <a:masterClrMapping/>
   </p:clrMapOvr>
-  <mc:AlternateContent xmlns:mc="http://schemas.openxmlformats.org/markup-compatibility/2006">
-    <mc:Choice xmlns:p14="http://schemas.microsoft.com/office/powerpoint/2010/main" Requires="p14">
+  <mc:AlternateContent xmlns:mc="http://schemas.openxmlformats.org/markup-compatibility/2006" xmlns:p14="http://schemas.microsoft.com/office/powerpoint/2010/main">
+    <mc:Choice Requires="p14">
       <p:transition spd="med" p14:dur="700">
         <p:fade/>
       </p:transition>
     </mc:Choice>
-    <mc:Fallback>
+    <mc:Fallback xmlns="">
       <p:transition spd="med">
         <p:fade/>
       </p:transition>
